--- a/presentation 1/POTHOLE DETECTION FOR VISUALLY IMPAIRED USING YOLO V1.pptx
+++ b/presentation 1/POTHOLE DETECTION FOR VISUALLY IMPAIRED USING YOLO V1.pptx
@@ -6926,49 +6926,6 @@
           </a:graphicData>
         </a:graphic>
       </p:graphicFrame>
-      <p:sp>
-        <p:nvSpPr>
-          <p:cNvPr id="4" name="TextBox 3">
-            <a:extLst>
-              <a:ext uri="{FF2B5EF4-FFF2-40B4-BE49-F238E27FC236}">
-                <a16:creationId xmlns:a16="http://schemas.microsoft.com/office/drawing/2014/main" id="{E79526DE-DB59-4E96-B084-F267A05665D8}"/>
-              </a:ext>
-            </a:extLst>
-          </p:cNvPr>
-          <p:cNvSpPr txBox="1"/>
-          <p:nvPr/>
-        </p:nvSpPr>
-        <p:spPr>
-          <a:xfrm>
-            <a:off x="23007" y="4881890"/>
-            <a:ext cx="577402" cy="261610"/>
-          </a:xfrm>
-          <a:prstGeom prst="rect">
-            <a:avLst/>
-          </a:prstGeom>
-          <a:noFill/>
-        </p:spPr>
-        <p:txBody>
-          <a:bodyPr wrap="none" rtlCol="0">
-            <a:spAutoFit/>
-          </a:bodyPr>
-          <a:lstStyle/>
-          <a:p>
-            <a:r>
-              <a:rPr lang="en-IN" sz="1100" dirty="0">
-                <a:solidFill>
-                  <a:schemeClr val="bg1">
-                    <a:lumMod val="50000"/>
-                  </a:schemeClr>
-                </a:solidFill>
-                <a:latin typeface="Times New Roman" panose="02020603050405020304" pitchFamily="18" charset="0"/>
-                <a:cs typeface="Times New Roman" panose="02020603050405020304" pitchFamily="18" charset="0"/>
-              </a:rPr>
-              <a:t>TITLE</a:t>
-            </a:r>
-          </a:p>
-        </p:txBody>
-      </p:sp>
     </p:spTree>
   </p:cSld>
   <p:clrMapOvr>
@@ -7067,49 +7024,6 @@
           </a:prstGeom>
         </p:spPr>
       </p:pic>
-      <p:sp>
-        <p:nvSpPr>
-          <p:cNvPr id="5" name="TextBox 4">
-            <a:extLst>
-              <a:ext uri="{FF2B5EF4-FFF2-40B4-BE49-F238E27FC236}">
-                <a16:creationId xmlns:a16="http://schemas.microsoft.com/office/drawing/2014/main" id="{62B1A201-408B-457A-A4C3-85CE70752F72}"/>
-              </a:ext>
-            </a:extLst>
-          </p:cNvPr>
-          <p:cNvSpPr txBox="1"/>
-          <p:nvPr/>
-        </p:nvSpPr>
-        <p:spPr>
-          <a:xfrm>
-            <a:off x="23007" y="4881890"/>
-            <a:ext cx="1178528" cy="261610"/>
-          </a:xfrm>
-          <a:prstGeom prst="rect">
-            <a:avLst/>
-          </a:prstGeom>
-          <a:noFill/>
-        </p:spPr>
-        <p:txBody>
-          <a:bodyPr wrap="none" rtlCol="0">
-            <a:spAutoFit/>
-          </a:bodyPr>
-          <a:lstStyle/>
-          <a:p>
-            <a:r>
-              <a:rPr lang="en-IN" sz="1100" dirty="0">
-                <a:solidFill>
-                  <a:schemeClr val="bg1">
-                    <a:lumMod val="50000"/>
-                  </a:schemeClr>
-                </a:solidFill>
-                <a:latin typeface="Times New Roman" panose="02020603050405020304" pitchFamily="18" charset="0"/>
-                <a:cs typeface="Times New Roman" panose="02020603050405020304" pitchFamily="18" charset="0"/>
-              </a:rPr>
-              <a:t>SYSTEM FLOW</a:t>
-            </a:r>
-          </a:p>
-        </p:txBody>
-      </p:sp>
     </p:spTree>
     <p:extLst>
       <p:ext uri="{BB962C8B-B14F-4D97-AF65-F5344CB8AC3E}">
@@ -7445,49 +7359,6 @@
               <a:latin typeface="Times New Roman" panose="02020603050405020304" pitchFamily="18" charset="0"/>
               <a:cs typeface="Times New Roman" panose="02020603050405020304" pitchFamily="18" charset="0"/>
             </a:endParaRPr>
-          </a:p>
-        </p:txBody>
-      </p:sp>
-      <p:sp>
-        <p:nvSpPr>
-          <p:cNvPr id="4" name="TextBox 3">
-            <a:extLst>
-              <a:ext uri="{FF2B5EF4-FFF2-40B4-BE49-F238E27FC236}">
-                <a16:creationId xmlns:a16="http://schemas.microsoft.com/office/drawing/2014/main" id="{0A1CB71C-5212-4632-8D48-13724EC14C2B}"/>
-              </a:ext>
-            </a:extLst>
-          </p:cNvPr>
-          <p:cNvSpPr txBox="1"/>
-          <p:nvPr/>
-        </p:nvSpPr>
-        <p:spPr>
-          <a:xfrm>
-            <a:off x="23007" y="4881890"/>
-            <a:ext cx="1178528" cy="261610"/>
-          </a:xfrm>
-          <a:prstGeom prst="rect">
-            <a:avLst/>
-          </a:prstGeom>
-          <a:noFill/>
-        </p:spPr>
-        <p:txBody>
-          <a:bodyPr wrap="none" rtlCol="0">
-            <a:spAutoFit/>
-          </a:bodyPr>
-          <a:lstStyle/>
-          <a:p>
-            <a:r>
-              <a:rPr lang="en-IN" sz="1100" dirty="0">
-                <a:solidFill>
-                  <a:schemeClr val="bg1">
-                    <a:lumMod val="50000"/>
-                  </a:schemeClr>
-                </a:solidFill>
-                <a:latin typeface="Times New Roman" panose="02020603050405020304" pitchFamily="18" charset="0"/>
-                <a:cs typeface="Times New Roman" panose="02020603050405020304" pitchFamily="18" charset="0"/>
-              </a:rPr>
-              <a:t>SYSTEM FLOW</a:t>
-            </a:r>
           </a:p>
         </p:txBody>
       </p:sp>
@@ -7906,49 +7777,6 @@
           </a:p>
         </p:txBody>
       </p:sp>
-      <p:sp>
-        <p:nvSpPr>
-          <p:cNvPr id="4" name="TextBox 3">
-            <a:extLst>
-              <a:ext uri="{FF2B5EF4-FFF2-40B4-BE49-F238E27FC236}">
-                <a16:creationId xmlns:a16="http://schemas.microsoft.com/office/drawing/2014/main" id="{6D6A636F-A1F3-4071-97C3-F4759775DC4B}"/>
-              </a:ext>
-            </a:extLst>
-          </p:cNvPr>
-          <p:cNvSpPr txBox="1"/>
-          <p:nvPr/>
-        </p:nvSpPr>
-        <p:spPr>
-          <a:xfrm>
-            <a:off x="23007" y="4881890"/>
-            <a:ext cx="1074333" cy="261610"/>
-          </a:xfrm>
-          <a:prstGeom prst="rect">
-            <a:avLst/>
-          </a:prstGeom>
-          <a:noFill/>
-        </p:spPr>
-        <p:txBody>
-          <a:bodyPr wrap="none" rtlCol="0">
-            <a:spAutoFit/>
-          </a:bodyPr>
-          <a:lstStyle/>
-          <a:p>
-            <a:r>
-              <a:rPr lang="en-IN" sz="1100" dirty="0">
-                <a:solidFill>
-                  <a:schemeClr val="bg1">
-                    <a:lumMod val="50000"/>
-                  </a:schemeClr>
-                </a:solidFill>
-                <a:latin typeface="Times New Roman" panose="02020603050405020304" pitchFamily="18" charset="0"/>
-                <a:cs typeface="Times New Roman" panose="02020603050405020304" pitchFamily="18" charset="0"/>
-              </a:rPr>
-              <a:t>REFERENCES</a:t>
-            </a:r>
-          </a:p>
-        </p:txBody>
-      </p:sp>
     </p:spTree>
     <p:extLst>
       <p:ext uri="{BB962C8B-B14F-4D97-AF65-F5344CB8AC3E}">
@@ -8124,49 +7952,6 @@
                 <a:cs typeface="Times New Roman" panose="02020603050405020304" pitchFamily="18" charset="0"/>
               </a:rPr>
               <a:t>Conventions : YOLO - You Only Look Once, VI – Visually Impaired.</a:t>
-            </a:r>
-          </a:p>
-        </p:txBody>
-      </p:sp>
-      <p:sp>
-        <p:nvSpPr>
-          <p:cNvPr id="4" name="TextBox 3">
-            <a:extLst>
-              <a:ext uri="{FF2B5EF4-FFF2-40B4-BE49-F238E27FC236}">
-                <a16:creationId xmlns:a16="http://schemas.microsoft.com/office/drawing/2014/main" id="{9FE1E8AE-8EF2-4B55-832A-97D4314B76FA}"/>
-              </a:ext>
-            </a:extLst>
-          </p:cNvPr>
-          <p:cNvSpPr txBox="1"/>
-          <p:nvPr/>
-        </p:nvSpPr>
-        <p:spPr>
-          <a:xfrm>
-            <a:off x="23007" y="4881890"/>
-            <a:ext cx="925253" cy="261610"/>
-          </a:xfrm>
-          <a:prstGeom prst="rect">
-            <a:avLst/>
-          </a:prstGeom>
-          <a:noFill/>
-        </p:spPr>
-        <p:txBody>
-          <a:bodyPr wrap="none" rtlCol="0">
-            <a:spAutoFit/>
-          </a:bodyPr>
-          <a:lstStyle/>
-          <a:p>
-            <a:r>
-              <a:rPr lang="en-IN" sz="1100" dirty="0">
-                <a:solidFill>
-                  <a:schemeClr val="bg1">
-                    <a:lumMod val="50000"/>
-                  </a:schemeClr>
-                </a:solidFill>
-                <a:latin typeface="Times New Roman" panose="02020603050405020304" pitchFamily="18" charset="0"/>
-                <a:cs typeface="Times New Roman" panose="02020603050405020304" pitchFamily="18" charset="0"/>
-              </a:rPr>
-              <a:t>ABSTRACT</a:t>
             </a:r>
           </a:p>
         </p:txBody>
@@ -8337,49 +8122,6 @@
           </a:p>
         </p:txBody>
       </p:sp>
-      <p:sp>
-        <p:nvSpPr>
-          <p:cNvPr id="4" name="TextBox 3">
-            <a:extLst>
-              <a:ext uri="{FF2B5EF4-FFF2-40B4-BE49-F238E27FC236}">
-                <a16:creationId xmlns:a16="http://schemas.microsoft.com/office/drawing/2014/main" id="{9FE1E8AE-8EF2-4B55-832A-97D4314B76FA}"/>
-              </a:ext>
-            </a:extLst>
-          </p:cNvPr>
-          <p:cNvSpPr txBox="1"/>
-          <p:nvPr/>
-        </p:nvSpPr>
-        <p:spPr>
-          <a:xfrm>
-            <a:off x="23007" y="4881890"/>
-            <a:ext cx="1255472" cy="261610"/>
-          </a:xfrm>
-          <a:prstGeom prst="rect">
-            <a:avLst/>
-          </a:prstGeom>
-          <a:noFill/>
-        </p:spPr>
-        <p:txBody>
-          <a:bodyPr wrap="none" rtlCol="0">
-            <a:spAutoFit/>
-          </a:bodyPr>
-          <a:lstStyle/>
-          <a:p>
-            <a:r>
-              <a:rPr lang="en-IN" sz="1100" dirty="0">
-                <a:solidFill>
-                  <a:schemeClr val="bg1">
-                    <a:lumMod val="50000"/>
-                  </a:schemeClr>
-                </a:solidFill>
-                <a:latin typeface="Times New Roman" panose="02020603050405020304" pitchFamily="18" charset="0"/>
-                <a:cs typeface="Times New Roman" panose="02020603050405020304" pitchFamily="18" charset="0"/>
-              </a:rPr>
-              <a:t>INTRODUCTION</a:t>
-            </a:r>
-          </a:p>
-        </p:txBody>
-      </p:sp>
     </p:spTree>
   </p:cSld>
   <p:clrMapOvr>
@@ -8538,49 +8280,6 @@
               <a:latin typeface="Times New Roman" panose="02020603050405020304" pitchFamily="18" charset="0"/>
               <a:cs typeface="Times New Roman" panose="02020603050405020304" pitchFamily="18" charset="0"/>
             </a:endParaRPr>
-          </a:p>
-        </p:txBody>
-      </p:sp>
-      <p:sp>
-        <p:nvSpPr>
-          <p:cNvPr id="4" name="TextBox 3">
-            <a:extLst>
-              <a:ext uri="{FF2B5EF4-FFF2-40B4-BE49-F238E27FC236}">
-                <a16:creationId xmlns:a16="http://schemas.microsoft.com/office/drawing/2014/main" id="{E1A1B6DE-DBD0-4EEE-A803-7E4F1B0545EC}"/>
-              </a:ext>
-            </a:extLst>
-          </p:cNvPr>
-          <p:cNvSpPr txBox="1"/>
-          <p:nvPr/>
-        </p:nvSpPr>
-        <p:spPr>
-          <a:xfrm>
-            <a:off x="23007" y="4881890"/>
-            <a:ext cx="1255472" cy="261610"/>
-          </a:xfrm>
-          <a:prstGeom prst="rect">
-            <a:avLst/>
-          </a:prstGeom>
-          <a:noFill/>
-        </p:spPr>
-        <p:txBody>
-          <a:bodyPr wrap="none" rtlCol="0">
-            <a:spAutoFit/>
-          </a:bodyPr>
-          <a:lstStyle/>
-          <a:p>
-            <a:r>
-              <a:rPr lang="en-IN" sz="1100" dirty="0">
-                <a:solidFill>
-                  <a:schemeClr val="bg1">
-                    <a:lumMod val="50000"/>
-                  </a:schemeClr>
-                </a:solidFill>
-                <a:latin typeface="Times New Roman" panose="02020603050405020304" pitchFamily="18" charset="0"/>
-                <a:cs typeface="Times New Roman" panose="02020603050405020304" pitchFamily="18" charset="0"/>
-              </a:rPr>
-              <a:t>INTRODUCTION</a:t>
-            </a:r>
           </a:p>
         </p:txBody>
       </p:sp>
@@ -9282,49 +8981,6 @@
           </a:graphicData>
         </a:graphic>
       </p:graphicFrame>
-      <p:sp>
-        <p:nvSpPr>
-          <p:cNvPr id="8" name="TextBox 7">
-            <a:extLst>
-              <a:ext uri="{FF2B5EF4-FFF2-40B4-BE49-F238E27FC236}">
-                <a16:creationId xmlns:a16="http://schemas.microsoft.com/office/drawing/2014/main" id="{CA82A952-BA4A-45E3-8D5E-210C4758B599}"/>
-              </a:ext>
-            </a:extLst>
-          </p:cNvPr>
-          <p:cNvSpPr txBox="1"/>
-          <p:nvPr/>
-        </p:nvSpPr>
-        <p:spPr>
-          <a:xfrm>
-            <a:off x="23007" y="4881890"/>
-            <a:ext cx="1574470" cy="261610"/>
-          </a:xfrm>
-          <a:prstGeom prst="rect">
-            <a:avLst/>
-          </a:prstGeom>
-          <a:noFill/>
-        </p:spPr>
-        <p:txBody>
-          <a:bodyPr wrap="none" rtlCol="0">
-            <a:spAutoFit/>
-          </a:bodyPr>
-          <a:lstStyle/>
-          <a:p>
-            <a:r>
-              <a:rPr lang="en-IN" sz="1100" dirty="0">
-                <a:solidFill>
-                  <a:schemeClr val="bg1">
-                    <a:lumMod val="50000"/>
-                  </a:schemeClr>
-                </a:solidFill>
-                <a:latin typeface="Times New Roman" panose="02020603050405020304" pitchFamily="18" charset="0"/>
-                <a:cs typeface="Times New Roman" panose="02020603050405020304" pitchFamily="18" charset="0"/>
-              </a:rPr>
-              <a:t>LITRATURE SURVEY</a:t>
-            </a:r>
-          </a:p>
-        </p:txBody>
-      </p:sp>
     </p:spTree>
     <p:extLst>
       <p:ext uri="{BB962C8B-B14F-4D97-AF65-F5344CB8AC3E}">
@@ -9409,49 +9065,6 @@
       </p:sp>
       <p:sp>
         <p:nvSpPr>
-          <p:cNvPr id="4" name="TextBox 3">
-            <a:extLst>
-              <a:ext uri="{FF2B5EF4-FFF2-40B4-BE49-F238E27FC236}">
-                <a16:creationId xmlns:a16="http://schemas.microsoft.com/office/drawing/2014/main" id="{9FE1E8AE-8EF2-4B55-832A-97D4314B76FA}"/>
-              </a:ext>
-            </a:extLst>
-          </p:cNvPr>
-          <p:cNvSpPr txBox="1"/>
-          <p:nvPr/>
-        </p:nvSpPr>
-        <p:spPr>
-          <a:xfrm>
-            <a:off x="23007" y="4881890"/>
-            <a:ext cx="1430200" cy="261610"/>
-          </a:xfrm>
-          <a:prstGeom prst="rect">
-            <a:avLst/>
-          </a:prstGeom>
-          <a:noFill/>
-        </p:spPr>
-        <p:txBody>
-          <a:bodyPr wrap="none" rtlCol="0">
-            <a:spAutoFit/>
-          </a:bodyPr>
-          <a:lstStyle/>
-          <a:p>
-            <a:r>
-              <a:rPr lang="en-IN" sz="1100" dirty="0">
-                <a:solidFill>
-                  <a:schemeClr val="bg1">
-                    <a:lumMod val="50000"/>
-                  </a:schemeClr>
-                </a:solidFill>
-                <a:latin typeface="Times New Roman" panose="02020603050405020304" pitchFamily="18" charset="0"/>
-                <a:cs typeface="Times New Roman" panose="02020603050405020304" pitchFamily="18" charset="0"/>
-              </a:rPr>
-              <a:t>EXISTING SYSTEM</a:t>
-            </a:r>
-          </a:p>
-        </p:txBody>
-      </p:sp>
-      <p:sp>
-        <p:nvSpPr>
           <p:cNvPr id="72" name="Google Shape;72;p16"/>
           <p:cNvSpPr txBox="1">
             <a:spLocks noGrp="1"/>
@@ -9577,49 +9190,6 @@
           <a:chExt cx="0" cy="0"/>
         </a:xfrm>
       </p:grpSpPr>
-      <p:sp>
-        <p:nvSpPr>
-          <p:cNvPr id="4" name="TextBox 3">
-            <a:extLst>
-              <a:ext uri="{FF2B5EF4-FFF2-40B4-BE49-F238E27FC236}">
-                <a16:creationId xmlns:a16="http://schemas.microsoft.com/office/drawing/2014/main" id="{9FE1E8AE-8EF2-4B55-832A-97D4314B76FA}"/>
-              </a:ext>
-            </a:extLst>
-          </p:cNvPr>
-          <p:cNvSpPr txBox="1"/>
-          <p:nvPr/>
-        </p:nvSpPr>
-        <p:spPr>
-          <a:xfrm>
-            <a:off x="23007" y="4881890"/>
-            <a:ext cx="1430200" cy="261610"/>
-          </a:xfrm>
-          <a:prstGeom prst="rect">
-            <a:avLst/>
-          </a:prstGeom>
-          <a:noFill/>
-        </p:spPr>
-        <p:txBody>
-          <a:bodyPr wrap="none" rtlCol="0">
-            <a:spAutoFit/>
-          </a:bodyPr>
-          <a:lstStyle/>
-          <a:p>
-            <a:r>
-              <a:rPr lang="en-IN" sz="1100" dirty="0">
-                <a:solidFill>
-                  <a:schemeClr val="bg1">
-                    <a:lumMod val="50000"/>
-                  </a:schemeClr>
-                </a:solidFill>
-                <a:latin typeface="Times New Roman" panose="02020603050405020304" pitchFamily="18" charset="0"/>
-                <a:cs typeface="Times New Roman" panose="02020603050405020304" pitchFamily="18" charset="0"/>
-              </a:rPr>
-              <a:t>EXISTING SYSTEM</a:t>
-            </a:r>
-          </a:p>
-        </p:txBody>
-      </p:sp>
       <p:sp>
         <p:nvSpPr>
           <p:cNvPr id="72" name="Google Shape;72;p16"/>
@@ -9829,49 +9399,6 @@
           </a:prstGeom>
         </p:spPr>
       </p:pic>
-      <p:sp>
-        <p:nvSpPr>
-          <p:cNvPr id="5" name="TextBox 4">
-            <a:extLst>
-              <a:ext uri="{FF2B5EF4-FFF2-40B4-BE49-F238E27FC236}">
-                <a16:creationId xmlns:a16="http://schemas.microsoft.com/office/drawing/2014/main" id="{C90E31AC-FF5A-43D7-9416-234015E49C5B}"/>
-              </a:ext>
-            </a:extLst>
-          </p:cNvPr>
-          <p:cNvSpPr txBox="1"/>
-          <p:nvPr/>
-        </p:nvSpPr>
-        <p:spPr>
-          <a:xfrm>
-            <a:off x="23007" y="4881890"/>
-            <a:ext cx="869149" cy="261610"/>
-          </a:xfrm>
-          <a:prstGeom prst="rect">
-            <a:avLst/>
-          </a:prstGeom>
-          <a:noFill/>
-        </p:spPr>
-        <p:txBody>
-          <a:bodyPr wrap="none" rtlCol="0">
-            <a:spAutoFit/>
-          </a:bodyPr>
-          <a:lstStyle/>
-          <a:p>
-            <a:r>
-              <a:rPr lang="en-IN" sz="1100" dirty="0">
-                <a:solidFill>
-                  <a:schemeClr val="bg1">
-                    <a:lumMod val="50000"/>
-                  </a:schemeClr>
-                </a:solidFill>
-                <a:latin typeface="Times New Roman" panose="02020603050405020304" pitchFamily="18" charset="0"/>
-                <a:cs typeface="Times New Roman" panose="02020603050405020304" pitchFamily="18" charset="0"/>
-              </a:rPr>
-              <a:t>WORKING</a:t>
-            </a:r>
-          </a:p>
-        </p:txBody>
-      </p:sp>
     </p:spTree>
     <p:extLst>
       <p:ext uri="{BB962C8B-B14F-4D97-AF65-F5344CB8AC3E}">
@@ -9991,49 +9518,6 @@
               <a:latin typeface="Times New Roman" panose="02020603050405020304" pitchFamily="18" charset="0"/>
               <a:cs typeface="Times New Roman" panose="02020603050405020304" pitchFamily="18" charset="0"/>
             </a:endParaRPr>
-          </a:p>
-        </p:txBody>
-      </p:sp>
-      <p:sp>
-        <p:nvSpPr>
-          <p:cNvPr id="4" name="TextBox 3">
-            <a:extLst>
-              <a:ext uri="{FF2B5EF4-FFF2-40B4-BE49-F238E27FC236}">
-                <a16:creationId xmlns:a16="http://schemas.microsoft.com/office/drawing/2014/main" id="{E1A1B6DE-DBD0-4EEE-A803-7E4F1B0545EC}"/>
-              </a:ext>
-            </a:extLst>
-          </p:cNvPr>
-          <p:cNvSpPr txBox="1"/>
-          <p:nvPr/>
-        </p:nvSpPr>
-        <p:spPr>
-          <a:xfrm>
-            <a:off x="23007" y="4881890"/>
-            <a:ext cx="869149" cy="261610"/>
-          </a:xfrm>
-          <a:prstGeom prst="rect">
-            <a:avLst/>
-          </a:prstGeom>
-          <a:noFill/>
-        </p:spPr>
-        <p:txBody>
-          <a:bodyPr wrap="none" rtlCol="0">
-            <a:spAutoFit/>
-          </a:bodyPr>
-          <a:lstStyle/>
-          <a:p>
-            <a:r>
-              <a:rPr lang="en-IN" sz="1100" dirty="0">
-                <a:solidFill>
-                  <a:schemeClr val="bg1">
-                    <a:lumMod val="50000"/>
-                  </a:schemeClr>
-                </a:solidFill>
-                <a:latin typeface="Times New Roman" panose="02020603050405020304" pitchFamily="18" charset="0"/>
-                <a:cs typeface="Times New Roman" panose="02020603050405020304" pitchFamily="18" charset="0"/>
-              </a:rPr>
-              <a:t>WORKING</a:t>
-            </a:r>
           </a:p>
         </p:txBody>
       </p:sp>

--- a/presentation 1/POTHOLE DETECTION FOR VISUALLY IMPAIRED USING YOLO V1.pptx
+++ b/presentation 1/POTHOLE DETECTION FOR VISUALLY IMPAIRED USING YOLO V1.pptx
@@ -5,7 +5,7 @@
     <p:sldMasterId id="2147483659" r:id="rId1"/>
   </p:sldMasterIdLst>
   <p:notesMasterIdLst>
-    <p:notesMasterId r:id="rId14"/>
+    <p:notesMasterId r:id="rId16"/>
   </p:notesMasterIdLst>
   <p:sldIdLst>
     <p:sldId id="257" r:id="rId2"/>
@@ -14,12 +14,14 @@
     <p:sldId id="260" r:id="rId5"/>
     <p:sldId id="261" r:id="rId6"/>
     <p:sldId id="270" r:id="rId7"/>
-    <p:sldId id="271" r:id="rId8"/>
-    <p:sldId id="262" r:id="rId9"/>
-    <p:sldId id="268" r:id="rId10"/>
-    <p:sldId id="264" r:id="rId11"/>
-    <p:sldId id="265" r:id="rId12"/>
-    <p:sldId id="266" r:id="rId13"/>
+    <p:sldId id="272" r:id="rId8"/>
+    <p:sldId id="271" r:id="rId9"/>
+    <p:sldId id="273" r:id="rId10"/>
+    <p:sldId id="262" r:id="rId11"/>
+    <p:sldId id="268" r:id="rId12"/>
+    <p:sldId id="264" r:id="rId13"/>
+    <p:sldId id="265" r:id="rId14"/>
+    <p:sldId id="266" r:id="rId15"/>
   </p:sldIdLst>
   <p:sldSz cx="9144000" cy="5143500" type="screen16x9"/>
   <p:notesSz cx="6858000" cy="9144000"/>
@@ -804,11 +806,229 @@
               </a:spcAft>
               <a:buNone/>
             </a:pPr>
+            <a:endParaRPr dirty="0"/>
+          </a:p>
+        </p:txBody>
+      </p:sp>
+    </p:spTree>
+  </p:cSld>
+  <p:clrMapOvr>
+    <a:masterClrMapping/>
+  </p:clrMapOvr>
+</p:notes>
+</file>
+
+<file path=ppt/notesSlides/notesSlide10.xml><?xml version="1.0" encoding="utf-8"?>
+<p:notes xmlns:a="http://schemas.openxmlformats.org/drawingml/2006/main" xmlns:r="http://schemas.openxmlformats.org/officeDocument/2006/relationships" xmlns:p="http://schemas.openxmlformats.org/presentationml/2006/main" showMasterSp="0" showMasterPhAnim="0">
+  <p:cSld>
+    <p:spTree>
+      <p:nvGrpSpPr>
+        <p:cNvPr id="1" name="Shape 67"/>
+        <p:cNvGrpSpPr/>
+        <p:nvPr/>
+      </p:nvGrpSpPr>
+      <p:grpSpPr>
+        <a:xfrm>
+          <a:off x="0" y="0"/>
+          <a:ext cx="0" cy="0"/>
+          <a:chOff x="0" y="0"/>
+          <a:chExt cx="0" cy="0"/>
+        </a:xfrm>
+      </p:grpSpPr>
+      <p:sp>
+        <p:nvSpPr>
+          <p:cNvPr id="68" name="Google Shape;68;g12950754164_1_0:notes"/>
+          <p:cNvSpPr>
+            <a:spLocks noGrp="1" noRot="1" noChangeAspect="1"/>
+          </p:cNvSpPr>
+          <p:nvPr>
+            <p:ph type="sldImg" idx="2"/>
+          </p:nvPr>
+        </p:nvSpPr>
+        <p:spPr>
+          <a:xfrm>
+            <a:off x="381000" y="685800"/>
+            <a:ext cx="6096000" cy="3429000"/>
+          </a:xfrm>
+          <a:custGeom>
+            <a:avLst/>
+            <a:gdLst/>
+            <a:ahLst/>
+            <a:cxnLst/>
+            <a:rect l="l" t="t" r="r" b="b"/>
+            <a:pathLst>
+              <a:path w="120000" h="120000" extrusionOk="0">
+                <a:moveTo>
+                  <a:pt x="0" y="0"/>
+                </a:moveTo>
+                <a:lnTo>
+                  <a:pt x="120000" y="0"/>
+                </a:lnTo>
+                <a:lnTo>
+                  <a:pt x="120000" y="120000"/>
+                </a:lnTo>
+                <a:lnTo>
+                  <a:pt x="0" y="120000"/>
+                </a:lnTo>
+                <a:close/>
+              </a:path>
+            </a:pathLst>
+          </a:custGeom>
+        </p:spPr>
+      </p:sp>
+      <p:sp>
+        <p:nvSpPr>
+          <p:cNvPr id="69" name="Google Shape;69;g12950754164_1_0:notes"/>
+          <p:cNvSpPr txBox="1">
+            <a:spLocks noGrp="1"/>
+          </p:cNvSpPr>
+          <p:nvPr>
+            <p:ph type="body" idx="1"/>
+          </p:nvPr>
+        </p:nvSpPr>
+        <p:spPr>
+          <a:xfrm>
+            <a:off x="685800" y="4343400"/>
+            <a:ext cx="5486400" cy="4114800"/>
+          </a:xfrm>
+          <a:prstGeom prst="rect">
+            <a:avLst/>
+          </a:prstGeom>
+        </p:spPr>
+        <p:txBody>
+          <a:bodyPr spcFirstLastPara="1" wrap="square" lIns="91425" tIns="91425" rIns="91425" bIns="91425" anchor="t" anchorCtr="0">
+            <a:noAutofit/>
+          </a:bodyPr>
+          <a:lstStyle/>
+          <a:p>
+            <a:pPr marL="0" lvl="0" indent="0" algn="l" rtl="0">
+              <a:spcBef>
+                <a:spcPts val="0"/>
+              </a:spcBef>
+              <a:spcAft>
+                <a:spcPts val="0"/>
+              </a:spcAft>
+              <a:buNone/>
+            </a:pPr>
             <a:endParaRPr/>
           </a:p>
         </p:txBody>
       </p:sp>
     </p:spTree>
+    <p:extLst>
+      <p:ext uri="{BB962C8B-B14F-4D97-AF65-F5344CB8AC3E}">
+        <p14:creationId xmlns:p14="http://schemas.microsoft.com/office/powerpoint/2010/main" val="4172203352"/>
+      </p:ext>
+    </p:extLst>
+  </p:cSld>
+  <p:clrMapOvr>
+    <a:masterClrMapping/>
+  </p:clrMapOvr>
+</p:notes>
+</file>
+
+<file path=ppt/notesSlides/notesSlide11.xml><?xml version="1.0" encoding="utf-8"?>
+<p:notes xmlns:a="http://schemas.openxmlformats.org/drawingml/2006/main" xmlns:r="http://schemas.openxmlformats.org/officeDocument/2006/relationships" xmlns:p="http://schemas.openxmlformats.org/presentationml/2006/main" showMasterSp="0" showMasterPhAnim="0">
+  <p:cSld>
+    <p:spTree>
+      <p:nvGrpSpPr>
+        <p:cNvPr id="1" name="Shape 67"/>
+        <p:cNvGrpSpPr/>
+        <p:nvPr/>
+      </p:nvGrpSpPr>
+      <p:grpSpPr>
+        <a:xfrm>
+          <a:off x="0" y="0"/>
+          <a:ext cx="0" cy="0"/>
+          <a:chOff x="0" y="0"/>
+          <a:chExt cx="0" cy="0"/>
+        </a:xfrm>
+      </p:grpSpPr>
+      <p:sp>
+        <p:nvSpPr>
+          <p:cNvPr id="68" name="Google Shape;68;g12950754164_1_0:notes"/>
+          <p:cNvSpPr>
+            <a:spLocks noGrp="1" noRot="1" noChangeAspect="1"/>
+          </p:cNvSpPr>
+          <p:nvPr>
+            <p:ph type="sldImg" idx="2"/>
+          </p:nvPr>
+        </p:nvSpPr>
+        <p:spPr>
+          <a:xfrm>
+            <a:off x="381000" y="685800"/>
+            <a:ext cx="6096000" cy="3429000"/>
+          </a:xfrm>
+          <a:custGeom>
+            <a:avLst/>
+            <a:gdLst/>
+            <a:ahLst/>
+            <a:cxnLst/>
+            <a:rect l="l" t="t" r="r" b="b"/>
+            <a:pathLst>
+              <a:path w="120000" h="120000" extrusionOk="0">
+                <a:moveTo>
+                  <a:pt x="0" y="0"/>
+                </a:moveTo>
+                <a:lnTo>
+                  <a:pt x="120000" y="0"/>
+                </a:lnTo>
+                <a:lnTo>
+                  <a:pt x="120000" y="120000"/>
+                </a:lnTo>
+                <a:lnTo>
+                  <a:pt x="0" y="120000"/>
+                </a:lnTo>
+                <a:close/>
+              </a:path>
+            </a:pathLst>
+          </a:custGeom>
+        </p:spPr>
+      </p:sp>
+      <p:sp>
+        <p:nvSpPr>
+          <p:cNvPr id="69" name="Google Shape;69;g12950754164_1_0:notes"/>
+          <p:cNvSpPr txBox="1">
+            <a:spLocks noGrp="1"/>
+          </p:cNvSpPr>
+          <p:nvPr>
+            <p:ph type="body" idx="1"/>
+          </p:nvPr>
+        </p:nvSpPr>
+        <p:spPr>
+          <a:xfrm>
+            <a:off x="685800" y="4343400"/>
+            <a:ext cx="5486400" cy="4114800"/>
+          </a:xfrm>
+          <a:prstGeom prst="rect">
+            <a:avLst/>
+          </a:prstGeom>
+        </p:spPr>
+        <p:txBody>
+          <a:bodyPr spcFirstLastPara="1" wrap="square" lIns="91425" tIns="91425" rIns="91425" bIns="91425" anchor="t" anchorCtr="0">
+            <a:noAutofit/>
+          </a:bodyPr>
+          <a:lstStyle/>
+          <a:p>
+            <a:pPr marL="0" lvl="0" indent="0" algn="l" rtl="0">
+              <a:spcBef>
+                <a:spcPts val="0"/>
+              </a:spcBef>
+              <a:spcAft>
+                <a:spcPts val="0"/>
+              </a:spcAft>
+              <a:buNone/>
+            </a:pPr>
+            <a:endParaRPr/>
+          </a:p>
+        </p:txBody>
+      </p:sp>
+    </p:spTree>
+    <p:extLst>
+      <p:ext uri="{BB962C8B-B14F-4D97-AF65-F5344CB8AC3E}">
+        <p14:creationId xmlns:p14="http://schemas.microsoft.com/office/powerpoint/2010/main" val="4040800061"/>
+      </p:ext>
+    </p:extLst>
   </p:cSld>
   <p:clrMapOvr>
     <a:masterClrMapping/>
@@ -908,7 +1128,7 @@
               </a:spcAft>
               <a:buNone/>
             </a:pPr>
-            <a:endParaRPr/>
+            <a:endParaRPr dirty="0"/>
           </a:p>
         </p:txBody>
       </p:sp>
@@ -1017,7 +1237,7 @@
               </a:spcAft>
               <a:buNone/>
             </a:pPr>
-            <a:endParaRPr/>
+            <a:endParaRPr dirty="0"/>
           </a:p>
         </p:txBody>
       </p:sp>
@@ -1121,7 +1341,7 @@
               </a:spcAft>
               <a:buNone/>
             </a:pPr>
-            <a:endParaRPr/>
+            <a:endParaRPr dirty="0"/>
           </a:p>
         </p:txBody>
       </p:sp>
@@ -1455,7 +1675,7 @@
     </p:spTree>
     <p:extLst>
       <p:ext uri="{BB962C8B-B14F-4D97-AF65-F5344CB8AC3E}">
-        <p14:creationId xmlns:p14="http://schemas.microsoft.com/office/powerpoint/2010/main" val="2201574515"/>
+        <p14:creationId xmlns:p14="http://schemas.microsoft.com/office/powerpoint/2010/main" val="1830652362"/>
       </p:ext>
     </p:extLst>
   </p:cSld>
@@ -1564,7 +1784,7 @@
     </p:spTree>
     <p:extLst>
       <p:ext uri="{BB962C8B-B14F-4D97-AF65-F5344CB8AC3E}">
-        <p14:creationId xmlns:p14="http://schemas.microsoft.com/office/powerpoint/2010/main" val="4172203352"/>
+        <p14:creationId xmlns:p14="http://schemas.microsoft.com/office/powerpoint/2010/main" val="2201574515"/>
       </p:ext>
     </p:extLst>
   </p:cSld>
@@ -1673,7 +1893,7 @@
     </p:spTree>
     <p:extLst>
       <p:ext uri="{BB962C8B-B14F-4D97-AF65-F5344CB8AC3E}">
-        <p14:creationId xmlns:p14="http://schemas.microsoft.com/office/powerpoint/2010/main" val="4040800061"/>
+        <p14:creationId xmlns:p14="http://schemas.microsoft.com/office/powerpoint/2010/main" val="2384288326"/>
       </p:ext>
     </p:extLst>
   </p:cSld>
@@ -6067,7 +6287,7 @@
           <p:nvPr>
             <p:extLst>
               <p:ext uri="{D42A27DB-BD31-4B8C-83A1-F6EECF244321}">
-                <p14:modId xmlns:p14="http://schemas.microsoft.com/office/powerpoint/2010/main" val="4126756343"/>
+                <p14:modId xmlns:p14="http://schemas.microsoft.com/office/powerpoint/2010/main" val="2380240067"/>
               </p:ext>
             </p:extLst>
           </p:nvPr>
@@ -6556,25 +6776,18 @@
                     <a:lstStyle/>
                     <a:p>
                       <a:r>
-                        <a:rPr lang="en-US" sz="1800" b="1" dirty="0" err="1">
-                          <a:latin typeface="Times New Roman" panose="02020603050405020304" pitchFamily="18" charset="0"/>
-                          <a:cs typeface="Times New Roman" panose="02020603050405020304" pitchFamily="18" charset="0"/>
-                        </a:rPr>
-                        <a:t>Dr.P.ARJUN</a:t>
-                      </a:r>
-                      <a:r>
                         <a:rPr lang="en-US" sz="1800" b="1" dirty="0">
                           <a:latin typeface="Times New Roman" panose="02020603050405020304" pitchFamily="18" charset="0"/>
                           <a:cs typeface="Times New Roman" panose="02020603050405020304" pitchFamily="18" charset="0"/>
                         </a:rPr>
-                        <a:t> </a:t>
+                        <a:t>Dr. P. ARJUN </a:t>
                       </a:r>
                       <a:r>
                         <a:rPr lang="en-US" sz="1800" b="0" dirty="0">
                           <a:latin typeface="Times New Roman" panose="02020603050405020304" pitchFamily="18" charset="0"/>
                           <a:cs typeface="Times New Roman" panose="02020603050405020304" pitchFamily="18" charset="0"/>
                         </a:rPr>
-                        <a:t>M.E PhD</a:t>
+                        <a:t>M.E, PhD</a:t>
                       </a:r>
                       <a:r>
                         <a:rPr lang="en-US" sz="1800" dirty="0">
@@ -6745,7 +6958,7 @@
                         <a:buNone/>
                       </a:pPr>
                       <a:r>
-                        <a:rPr lang="en-GB" b="1">
+                        <a:rPr lang="en-GB" b="1" dirty="0">
                           <a:latin typeface="Times New Roman"/>
                           <a:ea typeface="Times New Roman"/>
                           <a:cs typeface="Times New Roman"/>
@@ -6753,7 +6966,7 @@
                         </a:rPr>
                         <a:t>:</a:t>
                       </a:r>
-                      <a:endParaRPr b="1">
+                      <a:endParaRPr b="1" dirty="0">
                         <a:latin typeface="Times New Roman"/>
                         <a:ea typeface="Times New Roman"/>
                         <a:cs typeface="Times New Roman"/>
@@ -6939,6 +7152,240 @@
   <p:cSld>
     <p:spTree>
       <p:nvGrpSpPr>
+        <p:cNvPr id="1" name="Shape 70"/>
+        <p:cNvGrpSpPr/>
+        <p:nvPr/>
+      </p:nvGrpSpPr>
+      <p:grpSpPr>
+        <a:xfrm>
+          <a:off x="0" y="0"/>
+          <a:ext cx="0" cy="0"/>
+          <a:chOff x="0" y="0"/>
+          <a:chExt cx="0" cy="0"/>
+        </a:xfrm>
+      </p:grpSpPr>
+      <p:sp>
+        <p:nvSpPr>
+          <p:cNvPr id="71" name="Google Shape;71;p16"/>
+          <p:cNvSpPr txBox="1">
+            <a:spLocks noGrp="1"/>
+          </p:cNvSpPr>
+          <p:nvPr>
+            <p:ph type="title"/>
+          </p:nvPr>
+        </p:nvSpPr>
+        <p:spPr>
+          <a:xfrm>
+            <a:off x="311700" y="261610"/>
+            <a:ext cx="8520600" cy="572700"/>
+          </a:xfrm>
+          <a:prstGeom prst="rect">
+            <a:avLst/>
+          </a:prstGeom>
+        </p:spPr>
+        <p:txBody>
+          <a:bodyPr spcFirstLastPara="1" wrap="square" lIns="91425" tIns="91425" rIns="91425" bIns="91425" anchor="t" anchorCtr="0">
+            <a:normAutofit fontScale="90000"/>
+          </a:bodyPr>
+          <a:lstStyle/>
+          <a:p>
+            <a:pPr marL="0" lvl="0" indent="0" algn="l" rtl="0">
+              <a:spcBef>
+                <a:spcPts val="0"/>
+              </a:spcBef>
+              <a:spcAft>
+                <a:spcPts val="0"/>
+              </a:spcAft>
+              <a:buNone/>
+            </a:pPr>
+            <a:r>
+              <a:rPr lang="en-GB" b="1" dirty="0">
+                <a:latin typeface="Times New Roman"/>
+                <a:ea typeface="Times New Roman"/>
+                <a:cs typeface="Times New Roman"/>
+                <a:sym typeface="Times New Roman"/>
+              </a:rPr>
+              <a:t>WORKING OF THE SYSTEM</a:t>
+            </a:r>
+            <a:endParaRPr b="1" dirty="0">
+              <a:latin typeface="Times New Roman"/>
+              <a:ea typeface="Times New Roman"/>
+              <a:cs typeface="Times New Roman"/>
+              <a:sym typeface="Times New Roman"/>
+            </a:endParaRPr>
+          </a:p>
+        </p:txBody>
+      </p:sp>
+      <p:pic>
+        <p:nvPicPr>
+          <p:cNvPr id="3" name="Picture 2">
+            <a:extLst>
+              <a:ext uri="{FF2B5EF4-FFF2-40B4-BE49-F238E27FC236}">
+                <a16:creationId xmlns:a16="http://schemas.microsoft.com/office/drawing/2014/main" id="{D29A65C0-3FA4-48BE-B3EA-4D4421247361}"/>
+              </a:ext>
+            </a:extLst>
+          </p:cNvPr>
+          <p:cNvPicPr>
+            <a:picLocks noChangeAspect="1"/>
+          </p:cNvPicPr>
+          <p:nvPr/>
+        </p:nvPicPr>
+        <p:blipFill>
+          <a:blip r:embed="rId3"/>
+          <a:stretch>
+            <a:fillRect/>
+          </a:stretch>
+        </p:blipFill>
+        <p:spPr>
+          <a:xfrm>
+            <a:off x="432428" y="1246743"/>
+            <a:ext cx="8279144" cy="3635147"/>
+          </a:xfrm>
+          <a:prstGeom prst="rect">
+            <a:avLst/>
+          </a:prstGeom>
+        </p:spPr>
+      </p:pic>
+    </p:spTree>
+    <p:extLst>
+      <p:ext uri="{BB962C8B-B14F-4D97-AF65-F5344CB8AC3E}">
+        <p14:creationId xmlns:p14="http://schemas.microsoft.com/office/powerpoint/2010/main" val="3755363840"/>
+      </p:ext>
+    </p:extLst>
+  </p:cSld>
+  <p:clrMapOvr>
+    <a:masterClrMapping/>
+  </p:clrMapOvr>
+</p:sld>
+</file>
+
+<file path=ppt/slides/slide11.xml><?xml version="1.0" encoding="utf-8"?>
+<p:sld xmlns:a="http://schemas.openxmlformats.org/drawingml/2006/main" xmlns:r="http://schemas.openxmlformats.org/officeDocument/2006/relationships" xmlns:p="http://schemas.openxmlformats.org/presentationml/2006/main">
+  <p:cSld>
+    <p:spTree>
+      <p:nvGrpSpPr>
+        <p:cNvPr id="1" name="Shape 70"/>
+        <p:cNvGrpSpPr/>
+        <p:nvPr/>
+      </p:nvGrpSpPr>
+      <p:grpSpPr>
+        <a:xfrm>
+          <a:off x="0" y="0"/>
+          <a:ext cx="0" cy="0"/>
+          <a:chOff x="0" y="0"/>
+          <a:chExt cx="0" cy="0"/>
+        </a:xfrm>
+      </p:grpSpPr>
+      <p:sp>
+        <p:nvSpPr>
+          <p:cNvPr id="72" name="Google Shape;72;p16"/>
+          <p:cNvSpPr txBox="1">
+            <a:spLocks noGrp="1"/>
+          </p:cNvSpPr>
+          <p:nvPr>
+            <p:ph type="body" idx="1"/>
+          </p:nvPr>
+        </p:nvSpPr>
+        <p:spPr>
+          <a:xfrm>
+            <a:off x="311700" y="678341"/>
+            <a:ext cx="8520600" cy="3416400"/>
+          </a:xfrm>
+          <a:prstGeom prst="rect">
+            <a:avLst/>
+          </a:prstGeom>
+        </p:spPr>
+        <p:txBody>
+          <a:bodyPr spcFirstLastPara="1" wrap="square" lIns="91425" tIns="91425" rIns="91425" bIns="91425" anchor="t" anchorCtr="0">
+            <a:noAutofit/>
+          </a:bodyPr>
+          <a:lstStyle/>
+          <a:p>
+            <a:pPr marL="285750" indent="-285750" algn="just">
+              <a:spcAft>
+                <a:spcPts val="1200"/>
+              </a:spcAft>
+            </a:pPr>
+            <a:r>
+              <a:rPr lang="en-IN" dirty="0">
+                <a:solidFill>
+                  <a:schemeClr val="tx1"/>
+                </a:solidFill>
+                <a:latin typeface="Times New Roman" panose="02020603050405020304" pitchFamily="18" charset="0"/>
+                <a:cs typeface="Times New Roman" panose="02020603050405020304" pitchFamily="18" charset="0"/>
+              </a:rPr>
+              <a:t>The VI person is provided with android app on the mobile phone. The app in the mobile phone access the camera and get live video feedback. The system starts scanning for pothole from the video using YOLO algorithm. </a:t>
+            </a:r>
+          </a:p>
+          <a:p>
+            <a:pPr marL="285750" indent="-285750" algn="just">
+              <a:spcAft>
+                <a:spcPts val="1200"/>
+              </a:spcAft>
+            </a:pPr>
+            <a:r>
+              <a:rPr lang="en-IN" dirty="0">
+                <a:solidFill>
+                  <a:schemeClr val="tx1"/>
+                </a:solidFill>
+                <a:latin typeface="Times New Roman" panose="02020603050405020304" pitchFamily="18" charset="0"/>
+                <a:cs typeface="Times New Roman" panose="02020603050405020304" pitchFamily="18" charset="0"/>
+              </a:rPr>
+              <a:t>If it encounters any pothole, It gives audio output like “Whoa !!! be careful there is a pothole in front”. The System is connected with Google Text to speech Engine. YOLO algorithm find the pothole and sends it to a python script with damage score. </a:t>
+            </a:r>
+          </a:p>
+          <a:p>
+            <a:pPr marL="285750" indent="-285750" algn="just">
+              <a:spcAft>
+                <a:spcPts val="1200"/>
+              </a:spcAft>
+            </a:pPr>
+            <a:r>
+              <a:rPr lang="en-IN" dirty="0">
+                <a:solidFill>
+                  <a:schemeClr val="tx1"/>
+                </a:solidFill>
+                <a:latin typeface="Times New Roman" panose="02020603050405020304" pitchFamily="18" charset="0"/>
+                <a:cs typeface="Times New Roman" panose="02020603050405020304" pitchFamily="18" charset="0"/>
+              </a:rPr>
+              <a:t>Based on the severity of pothole, the python script generate a text message. That message is read loudly by GTTS System.</a:t>
+            </a:r>
+          </a:p>
+          <a:p>
+            <a:pPr marL="0" indent="0" algn="just">
+              <a:spcAft>
+                <a:spcPts val="1200"/>
+              </a:spcAft>
+              <a:buNone/>
+            </a:pPr>
+            <a:endParaRPr lang="en-IN" dirty="0">
+              <a:solidFill>
+                <a:schemeClr val="tx1"/>
+              </a:solidFill>
+              <a:latin typeface="Times New Roman" panose="02020603050405020304" pitchFamily="18" charset="0"/>
+              <a:cs typeface="Times New Roman" panose="02020603050405020304" pitchFamily="18" charset="0"/>
+            </a:endParaRPr>
+          </a:p>
+        </p:txBody>
+      </p:sp>
+    </p:spTree>
+    <p:extLst>
+      <p:ext uri="{BB962C8B-B14F-4D97-AF65-F5344CB8AC3E}">
+        <p14:creationId xmlns:p14="http://schemas.microsoft.com/office/powerpoint/2010/main" val="717570050"/>
+      </p:ext>
+    </p:extLst>
+  </p:cSld>
+  <p:clrMapOvr>
+    <a:masterClrMapping/>
+  </p:clrMapOvr>
+</p:sld>
+</file>
+
+<file path=ppt/slides/slide12.xml><?xml version="1.0" encoding="utf-8"?>
+<p:sld xmlns:a="http://schemas.openxmlformats.org/drawingml/2006/main" xmlns:r="http://schemas.openxmlformats.org/officeDocument/2006/relationships" xmlns:p="http://schemas.openxmlformats.org/presentationml/2006/main">
+  <p:cSld>
+    <p:spTree>
+      <p:nvGrpSpPr>
         <p:cNvPr id="1" name=""/>
         <p:cNvGrpSpPr/>
         <p:nvPr/>
@@ -7037,7 +7484,7 @@
 </p:sld>
 </file>
 
-<file path=ppt/slides/slide11.xml><?xml version="1.0" encoding="utf-8"?>
+<file path=ppt/slides/slide13.xml><?xml version="1.0" encoding="utf-8"?>
 <p:sld xmlns:a="http://schemas.openxmlformats.org/drawingml/2006/main" xmlns:r="http://schemas.openxmlformats.org/officeDocument/2006/relationships" xmlns:p="http://schemas.openxmlformats.org/presentationml/2006/main">
   <p:cSld>
     <p:spTree>
@@ -7375,7 +7822,7 @@
 </p:sld>
 </file>
 
-<file path=ppt/slides/slide12.xml><?xml version="1.0" encoding="utf-8"?>
+<file path=ppt/slides/slide14.xml><?xml version="1.0" encoding="utf-8"?>
 <p:sld xmlns:a="http://schemas.openxmlformats.org/drawingml/2006/main" xmlns:r="http://schemas.openxmlformats.org/officeDocument/2006/relationships" xmlns:p="http://schemas.openxmlformats.org/presentationml/2006/main">
   <p:cSld>
     <p:spTree>
@@ -7914,7 +8361,7 @@
                 <a:latin typeface="Times New Roman" panose="02020603050405020304" pitchFamily="18" charset="0"/>
                 <a:cs typeface="Times New Roman" panose="02020603050405020304" pitchFamily="18" charset="0"/>
               </a:rPr>
-              <a:t>We proposed a solution that is in the form of Mobile phone app that detects pothole on the road surface especially Indian roads. The dataset used here was modified for Indian roads and visually impaired people. </a:t>
+              <a:t>We propose a solution that is in the form of Mobile phone app that detects pothole on the road surface especially Indian roads. The dataset used here was modified for Indian roads and visually impaired people. </a:t>
             </a:r>
           </a:p>
           <a:p>
@@ -9101,6 +9548,199 @@
                 <a:latin typeface="Times New Roman" panose="02020603050405020304" pitchFamily="18" charset="0"/>
                 <a:cs typeface="Times New Roman" panose="02020603050405020304" pitchFamily="18" charset="0"/>
               </a:rPr>
+              <a:t>A CNN entails of some layers. The layers of CNN are Convolution layer, Pooling layer, Activation function and Fully connected layer. This network have developed consists of two convolutional layers and two subsampling layers each following only one convolutional layer. </a:t>
+            </a:r>
+          </a:p>
+        </p:txBody>
+      </p:sp>
+      <p:sp>
+        <p:nvSpPr>
+          <p:cNvPr id="2" name="AutoShape 2">
+            <a:extLst>
+              <a:ext uri="{FF2B5EF4-FFF2-40B4-BE49-F238E27FC236}">
+                <a16:creationId xmlns:a16="http://schemas.microsoft.com/office/drawing/2014/main" id="{0F13A43F-73A4-48DF-A55A-A547A5BEBC66}"/>
+              </a:ext>
+            </a:extLst>
+          </p:cNvPr>
+          <p:cNvSpPr>
+            <a:spLocks noChangeAspect="1" noChangeArrowheads="1"/>
+          </p:cNvSpPr>
+          <p:nvPr/>
+        </p:nvSpPr>
+        <p:spPr bwMode="auto">
+          <a:xfrm>
+            <a:off x="1804988" y="1204913"/>
+            <a:ext cx="5534025" cy="2733675"/>
+          </a:xfrm>
+          <a:prstGeom prst="rect">
+            <a:avLst/>
+          </a:prstGeom>
+          <a:noFill/>
+          <a:extLst>
+            <a:ext uri="{909E8E84-426E-40DD-AFC4-6F175D3DCCD1}">
+              <a14:hiddenFill xmlns:a14="http://schemas.microsoft.com/office/drawing/2010/main">
+                <a:solidFill>
+                  <a:srgbClr val="FFFFFF"/>
+                </a:solidFill>
+              </a14:hiddenFill>
+            </a:ext>
+          </a:extLst>
+        </p:spPr>
+        <p:txBody>
+          <a:bodyPr vert="horz" wrap="square" lIns="91440" tIns="45720" rIns="91440" bIns="45720" numCol="1" anchor="t" anchorCtr="0" compatLnSpc="1">
+            <a:prstTxWarp prst="textNoShape">
+              <a:avLst/>
+            </a:prstTxWarp>
+          </a:bodyPr>
+          <a:lstStyle/>
+          <a:p>
+            <a:endParaRPr lang="en-IN"/>
+          </a:p>
+        </p:txBody>
+      </p:sp>
+      <p:pic>
+        <p:nvPicPr>
+          <p:cNvPr id="4" name="Picture 3">
+            <a:extLst>
+              <a:ext uri="{FF2B5EF4-FFF2-40B4-BE49-F238E27FC236}">
+                <a16:creationId xmlns:a16="http://schemas.microsoft.com/office/drawing/2014/main" id="{468CB136-D854-40D8-AF63-88F0D8DEA96D}"/>
+              </a:ext>
+            </a:extLst>
+          </p:cNvPr>
+          <p:cNvPicPr>
+            <a:picLocks noChangeAspect="1"/>
+          </p:cNvPicPr>
+          <p:nvPr/>
+        </p:nvPicPr>
+        <p:blipFill rotWithShape="1">
+          <a:blip r:embed="rId3"/>
+          <a:srcRect l="14" t="14" r="-1061" b="1"/>
+          <a:stretch/>
+        </p:blipFill>
+        <p:spPr>
+          <a:xfrm>
+            <a:off x="1900487" y="2328530"/>
+            <a:ext cx="5343025" cy="2548210"/>
+          </a:xfrm>
+          <a:prstGeom prst="rect">
+            <a:avLst/>
+          </a:prstGeom>
+        </p:spPr>
+      </p:pic>
+    </p:spTree>
+    <p:extLst>
+      <p:ext uri="{BB962C8B-B14F-4D97-AF65-F5344CB8AC3E}">
+        <p14:creationId xmlns:p14="http://schemas.microsoft.com/office/powerpoint/2010/main" val="2368514676"/>
+      </p:ext>
+    </p:extLst>
+  </p:cSld>
+  <p:clrMapOvr>
+    <a:masterClrMapping/>
+  </p:clrMapOvr>
+</p:sld>
+</file>
+
+<file path=ppt/slides/slide7.xml><?xml version="1.0" encoding="utf-8"?>
+<p:sld xmlns:a="http://schemas.openxmlformats.org/drawingml/2006/main" xmlns:r="http://schemas.openxmlformats.org/officeDocument/2006/relationships" xmlns:p="http://schemas.openxmlformats.org/presentationml/2006/main">
+  <p:cSld>
+    <p:spTree>
+      <p:nvGrpSpPr>
+        <p:cNvPr id="1" name="Shape 70"/>
+        <p:cNvGrpSpPr/>
+        <p:nvPr/>
+      </p:nvGrpSpPr>
+      <p:grpSpPr>
+        <a:xfrm>
+          <a:off x="0" y="0"/>
+          <a:ext cx="0" cy="0"/>
+          <a:chOff x="0" y="0"/>
+          <a:chExt cx="0" cy="0"/>
+        </a:xfrm>
+      </p:grpSpPr>
+      <p:sp>
+        <p:nvSpPr>
+          <p:cNvPr id="71" name="Google Shape;71;p16"/>
+          <p:cNvSpPr txBox="1">
+            <a:spLocks noGrp="1"/>
+          </p:cNvSpPr>
+          <p:nvPr>
+            <p:ph type="title"/>
+          </p:nvPr>
+        </p:nvSpPr>
+        <p:spPr>
+          <a:xfrm>
+            <a:off x="311700" y="266760"/>
+            <a:ext cx="8520600" cy="572700"/>
+          </a:xfrm>
+          <a:prstGeom prst="rect">
+            <a:avLst/>
+          </a:prstGeom>
+        </p:spPr>
+        <p:txBody>
+          <a:bodyPr spcFirstLastPara="1" wrap="square" lIns="91425" tIns="91425" rIns="91425" bIns="91425" anchor="t" anchorCtr="0">
+            <a:normAutofit fontScale="90000"/>
+          </a:bodyPr>
+          <a:lstStyle/>
+          <a:p>
+            <a:pPr marL="0" lvl="0" indent="0" algn="l" rtl="0">
+              <a:spcBef>
+                <a:spcPts val="0"/>
+              </a:spcBef>
+              <a:spcAft>
+                <a:spcPts val="0"/>
+              </a:spcAft>
+              <a:buNone/>
+            </a:pPr>
+            <a:r>
+              <a:rPr lang="en-GB" b="1" dirty="0">
+                <a:latin typeface="Times New Roman"/>
+                <a:ea typeface="Times New Roman"/>
+                <a:cs typeface="Times New Roman"/>
+                <a:sym typeface="Times New Roman"/>
+              </a:rPr>
+              <a:t>TECHNIQUES USED IN THE EXISTING SYSTEM</a:t>
+            </a:r>
+          </a:p>
+        </p:txBody>
+      </p:sp>
+      <p:sp>
+        <p:nvSpPr>
+          <p:cNvPr id="72" name="Google Shape;72;p16"/>
+          <p:cNvSpPr txBox="1">
+            <a:spLocks noGrp="1"/>
+          </p:cNvSpPr>
+          <p:nvPr>
+            <p:ph type="body" idx="1"/>
+          </p:nvPr>
+        </p:nvSpPr>
+        <p:spPr>
+          <a:xfrm>
+            <a:off x="311700" y="1005719"/>
+            <a:ext cx="8520600" cy="3416400"/>
+          </a:xfrm>
+          <a:prstGeom prst="rect">
+            <a:avLst/>
+          </a:prstGeom>
+        </p:spPr>
+        <p:txBody>
+          <a:bodyPr spcFirstLastPara="1" wrap="square" lIns="91425" tIns="91425" rIns="91425" bIns="91425" anchor="t" anchorCtr="0">
+            <a:noAutofit/>
+          </a:bodyPr>
+          <a:lstStyle/>
+          <a:p>
+            <a:pPr marL="285750" indent="-285750" algn="just">
+              <a:spcAft>
+                <a:spcPts val="1200"/>
+              </a:spcAft>
+            </a:pPr>
+            <a:r>
+              <a:rPr lang="en-IN" dirty="0">
+                <a:solidFill>
+                  <a:schemeClr val="tx1"/>
+                </a:solidFill>
+                <a:latin typeface="Times New Roman" panose="02020603050405020304" pitchFamily="18" charset="0"/>
+                <a:cs typeface="Times New Roman" panose="02020603050405020304" pitchFamily="18" charset="0"/>
+              </a:rPr>
               <a:t>The existing system uses CNN for detection and KITTI ROAD and pothole detection as dataset. A </a:t>
             </a:r>
             <a:r>
@@ -9155,15 +9795,45 @@
                 <a:latin typeface="Times New Roman" panose="02020603050405020304" pitchFamily="18" charset="0"/>
                 <a:cs typeface="Times New Roman" panose="02020603050405020304" pitchFamily="18" charset="0"/>
               </a:rPr>
-              <a:t>A CNN entails of some layers. The layers of CNN are Convolution layer, Pooling layer, Activation function and Fully connected layer. This network that we have developed consists of two convolutional layers and two subsampling layers each following only one convolutional layer. </a:t>
+              <a:t>For both convolutional layers, the kernel size remains fixed and is 3x3 where in both subsampling layers, the size of the pooling area is 2×2. Following this is a dense layer, containing a linear representation of the terminal subsampled feature map’s units those are connected to the 2 neurons in the output layer for classifying images into 2 classes. </a:t>
             </a:r>
+          </a:p>
+          <a:p>
+            <a:pPr marL="0" indent="0" algn="just">
+              <a:spcAft>
+                <a:spcPts val="1200"/>
+              </a:spcAft>
+              <a:buNone/>
+            </a:pPr>
+            <a:endParaRPr lang="en-IN" dirty="0">
+              <a:solidFill>
+                <a:schemeClr val="tx1"/>
+              </a:solidFill>
+              <a:latin typeface="Times New Roman" panose="02020603050405020304" pitchFamily="18" charset="0"/>
+              <a:cs typeface="Times New Roman" panose="02020603050405020304" pitchFamily="18" charset="0"/>
+            </a:endParaRPr>
+          </a:p>
+          <a:p>
+            <a:pPr marL="0" indent="0" algn="just">
+              <a:spcAft>
+                <a:spcPts val="1200"/>
+              </a:spcAft>
+              <a:buNone/>
+            </a:pPr>
+            <a:endParaRPr lang="en-IN" dirty="0">
+              <a:solidFill>
+                <a:schemeClr val="tx1"/>
+              </a:solidFill>
+              <a:latin typeface="Times New Roman" panose="02020603050405020304" pitchFamily="18" charset="0"/>
+              <a:cs typeface="Times New Roman" panose="02020603050405020304" pitchFamily="18" charset="0"/>
+            </a:endParaRPr>
           </a:p>
         </p:txBody>
       </p:sp>
     </p:spTree>
     <p:extLst>
       <p:ext uri="{BB962C8B-B14F-4D97-AF65-F5344CB8AC3E}">
-        <p14:creationId xmlns:p14="http://schemas.microsoft.com/office/powerpoint/2010/main" val="2368514676"/>
+        <p14:creationId xmlns:p14="http://schemas.microsoft.com/office/powerpoint/2010/main" val="2373374532"/>
       </p:ext>
     </p:extLst>
   </p:cSld>
@@ -9173,7 +9843,7 @@
 </p:sld>
 </file>
 
-<file path=ppt/slides/slide7.xml><?xml version="1.0" encoding="utf-8"?>
+<file path=ppt/slides/slide8.xml><?xml version="1.0" encoding="utf-8"?>
 <p:sld xmlns:a="http://schemas.openxmlformats.org/drawingml/2006/main" xmlns:r="http://schemas.openxmlformats.org/officeDocument/2006/relationships" xmlns:p="http://schemas.openxmlformats.org/presentationml/2006/main">
   <p:cSld>
     <p:spTree>
@@ -9214,23 +9884,6 @@
             <a:noAutofit/>
           </a:bodyPr>
           <a:lstStyle/>
-          <a:p>
-            <a:pPr marL="285750" indent="-285750" algn="just">
-              <a:spcAft>
-                <a:spcPts val="1200"/>
-              </a:spcAft>
-            </a:pPr>
-            <a:r>
-              <a:rPr lang="en-IN" dirty="0">
-                <a:solidFill>
-                  <a:schemeClr val="tx1"/>
-                </a:solidFill>
-                <a:latin typeface="Times New Roman" panose="02020603050405020304" pitchFamily="18" charset="0"/>
-                <a:cs typeface="Times New Roman" panose="02020603050405020304" pitchFamily="18" charset="0"/>
-              </a:rPr>
-              <a:t>For both convolutional layers, the kernel size remains fixed and is 3x3 where in both subsampling layers, the size of the pooling area is 2×2. Following this is a dense layer, containing a linear representation of the terminal subsampled feature map’s units those are connected to the 2 neurons in the output layer for classifying images into 2 classes. </a:t>
-            </a:r>
-          </a:p>
           <a:p>
             <a:pPr marL="285750" indent="-285750" algn="just">
               <a:spcAft>
@@ -9300,7 +9953,7 @@
 </p:sld>
 </file>
 
-<file path=ppt/slides/slide8.xml><?xml version="1.0" encoding="utf-8"?>
+<file path=ppt/slides/slide9.xml><?xml version="1.0" encoding="utf-8"?>
 <p:sld xmlns:a="http://schemas.openxmlformats.org/drawingml/2006/main" xmlns:r="http://schemas.openxmlformats.org/officeDocument/2006/relationships" xmlns:p="http://schemas.openxmlformats.org/presentationml/2006/main">
   <p:cSld>
     <p:spTree>
@@ -9329,7 +9982,7 @@
         </p:nvSpPr>
         <p:spPr>
           <a:xfrm>
-            <a:off x="311700" y="261610"/>
+            <a:off x="311700" y="266760"/>
             <a:ext cx="8520600" cy="572700"/>
           </a:xfrm>
           <a:prstGeom prst="rect">
@@ -9358,77 +10011,11 @@
                 <a:cs typeface="Times New Roman"/>
                 <a:sym typeface="Times New Roman"/>
               </a:rPr>
-              <a:t>WORKING OF THE SYSTEM</a:t>
+              <a:t>PROBLEM STATEMENT</a:t>
             </a:r>
-            <a:endParaRPr b="1" dirty="0">
-              <a:latin typeface="Times New Roman"/>
-              <a:ea typeface="Times New Roman"/>
-              <a:cs typeface="Times New Roman"/>
-              <a:sym typeface="Times New Roman"/>
-            </a:endParaRPr>
           </a:p>
         </p:txBody>
       </p:sp>
-      <p:pic>
-        <p:nvPicPr>
-          <p:cNvPr id="3" name="Picture 2">
-            <a:extLst>
-              <a:ext uri="{FF2B5EF4-FFF2-40B4-BE49-F238E27FC236}">
-                <a16:creationId xmlns:a16="http://schemas.microsoft.com/office/drawing/2014/main" id="{D29A65C0-3FA4-48BE-B3EA-4D4421247361}"/>
-              </a:ext>
-            </a:extLst>
-          </p:cNvPr>
-          <p:cNvPicPr>
-            <a:picLocks noChangeAspect="1"/>
-          </p:cNvPicPr>
-          <p:nvPr/>
-        </p:nvPicPr>
-        <p:blipFill>
-          <a:blip r:embed="rId3"/>
-          <a:stretch>
-            <a:fillRect/>
-          </a:stretch>
-        </p:blipFill>
-        <p:spPr>
-          <a:xfrm>
-            <a:off x="432428" y="1246743"/>
-            <a:ext cx="8279144" cy="3635147"/>
-          </a:xfrm>
-          <a:prstGeom prst="rect">
-            <a:avLst/>
-          </a:prstGeom>
-        </p:spPr>
-      </p:pic>
-    </p:spTree>
-    <p:extLst>
-      <p:ext uri="{BB962C8B-B14F-4D97-AF65-F5344CB8AC3E}">
-        <p14:creationId xmlns:p14="http://schemas.microsoft.com/office/powerpoint/2010/main" val="3755363840"/>
-      </p:ext>
-    </p:extLst>
-  </p:cSld>
-  <p:clrMapOvr>
-    <a:masterClrMapping/>
-  </p:clrMapOvr>
-</p:sld>
-</file>
-
-<file path=ppt/slides/slide9.xml><?xml version="1.0" encoding="utf-8"?>
-<p:sld xmlns:a="http://schemas.openxmlformats.org/drawingml/2006/main" xmlns:r="http://schemas.openxmlformats.org/officeDocument/2006/relationships" xmlns:p="http://schemas.openxmlformats.org/presentationml/2006/main">
-  <p:cSld>
-    <p:spTree>
-      <p:nvGrpSpPr>
-        <p:cNvPr id="1" name="Shape 70"/>
-        <p:cNvGrpSpPr/>
-        <p:nvPr/>
-      </p:nvGrpSpPr>
-      <p:grpSpPr>
-        <a:xfrm>
-          <a:off x="0" y="0"/>
-          <a:ext cx="0" cy="0"/>
-          <a:chOff x="0" y="0"/>
-          <a:chExt cx="0" cy="0"/>
-        </a:xfrm>
-      </p:grpSpPr>
       <p:sp>
         <p:nvSpPr>
           <p:cNvPr id="72" name="Google Shape;72;p16"/>
@@ -9441,7 +10028,7 @@
         </p:nvSpPr>
         <p:spPr>
           <a:xfrm>
-            <a:off x="311700" y="678341"/>
+            <a:off x="311700" y="1005719"/>
             <a:ext cx="8520600" cy="3416400"/>
           </a:xfrm>
           <a:prstGeom prst="rect">
@@ -9467,7 +10054,7 @@
                 <a:latin typeface="Times New Roman" panose="02020603050405020304" pitchFamily="18" charset="0"/>
                 <a:cs typeface="Times New Roman" panose="02020603050405020304" pitchFamily="18" charset="0"/>
               </a:rPr>
-              <a:t>The VI person is provided with android app on the mobile phone. The app in the mobile phone access the camera and get live video feedback. The system starts scanning for pothole from the video using YOLO algorithm. </a:t>
+              <a:t>The existing works uses CNN, R-CNN and many algorithms for object detection, But these algorithms require heavy computational resources. This approach should not be used in real-time and in remote manner for VI people.</a:t>
             </a:r>
           </a:p>
           <a:p>
@@ -9484,47 +10071,15 @@
                 <a:latin typeface="Times New Roman" panose="02020603050405020304" pitchFamily="18" charset="0"/>
                 <a:cs typeface="Times New Roman" panose="02020603050405020304" pitchFamily="18" charset="0"/>
               </a:rPr>
-              <a:t>If it encounters any pothole, It gives audio output like “Whoa !!! be careful there is a pothole in front”. The System is connected with Google Text to speech Engine. YOLO algorithm find the pothole and sends it to a python script with damage score. </a:t>
+              <a:t>To solve these problems, we propose a system that uses YOLO algorithm which lightweight and faster in object detection. It doesn’t require heavy computational resources. The input dataset is modified for VI people.</a:t>
             </a:r>
-          </a:p>
-          <a:p>
-            <a:pPr marL="285750" indent="-285750" algn="just">
-              <a:spcAft>
-                <a:spcPts val="1200"/>
-              </a:spcAft>
-            </a:pPr>
-            <a:r>
-              <a:rPr lang="en-IN" dirty="0">
-                <a:solidFill>
-                  <a:schemeClr val="tx1"/>
-                </a:solidFill>
-                <a:latin typeface="Times New Roman" panose="02020603050405020304" pitchFamily="18" charset="0"/>
-                <a:cs typeface="Times New Roman" panose="02020603050405020304" pitchFamily="18" charset="0"/>
-              </a:rPr>
-              <a:t>Based on the severity of pothole, the python script generate a text message. That message is read loudly by GTTS System.</a:t>
-            </a:r>
-          </a:p>
-          <a:p>
-            <a:pPr marL="0" indent="0" algn="just">
-              <a:spcAft>
-                <a:spcPts val="1200"/>
-              </a:spcAft>
-              <a:buNone/>
-            </a:pPr>
-            <a:endParaRPr lang="en-IN" dirty="0">
-              <a:solidFill>
-                <a:schemeClr val="tx1"/>
-              </a:solidFill>
-              <a:latin typeface="Times New Roman" panose="02020603050405020304" pitchFamily="18" charset="0"/>
-              <a:cs typeface="Times New Roman" panose="02020603050405020304" pitchFamily="18" charset="0"/>
-            </a:endParaRPr>
           </a:p>
         </p:txBody>
       </p:sp>
     </p:spTree>
     <p:extLst>
       <p:ext uri="{BB962C8B-B14F-4D97-AF65-F5344CB8AC3E}">
-        <p14:creationId xmlns:p14="http://schemas.microsoft.com/office/powerpoint/2010/main" val="717570050"/>
+        <p14:creationId xmlns:p14="http://schemas.microsoft.com/office/powerpoint/2010/main" val="554468455"/>
       </p:ext>
     </p:extLst>
   </p:cSld>

--- a/presentation 1/POTHOLE DETECTION FOR VISUALLY IMPAIRED USING YOLO V1.pptx
+++ b/presentation 1/POTHOLE DETECTION FOR VISUALLY IMPAIRED USING YOLO V1.pptx
@@ -5,7 +5,7 @@
     <p:sldMasterId id="2147483659" r:id="rId1"/>
   </p:sldMasterIdLst>
   <p:notesMasterIdLst>
-    <p:notesMasterId r:id="rId16"/>
+    <p:notesMasterId r:id="rId18"/>
   </p:notesMasterIdLst>
   <p:sldIdLst>
     <p:sldId id="257" r:id="rId2"/>
@@ -17,11 +17,13 @@
     <p:sldId id="272" r:id="rId8"/>
     <p:sldId id="271" r:id="rId9"/>
     <p:sldId id="273" r:id="rId10"/>
-    <p:sldId id="262" r:id="rId11"/>
-    <p:sldId id="268" r:id="rId12"/>
-    <p:sldId id="264" r:id="rId13"/>
-    <p:sldId id="265" r:id="rId14"/>
-    <p:sldId id="266" r:id="rId15"/>
+    <p:sldId id="274" r:id="rId11"/>
+    <p:sldId id="275" r:id="rId12"/>
+    <p:sldId id="262" r:id="rId13"/>
+    <p:sldId id="268" r:id="rId14"/>
+    <p:sldId id="264" r:id="rId15"/>
+    <p:sldId id="265" r:id="rId16"/>
+    <p:sldId id="266" r:id="rId17"/>
   </p:sldIdLst>
   <p:sldSz cx="9144000" cy="5143500" type="screen16x9"/>
   <p:notesSz cx="6858000" cy="9144000"/>
@@ -917,6 +919,224 @@
     </p:spTree>
     <p:extLst>
       <p:ext uri="{BB962C8B-B14F-4D97-AF65-F5344CB8AC3E}">
+        <p14:creationId xmlns:p14="http://schemas.microsoft.com/office/powerpoint/2010/main" val="2477666723"/>
+      </p:ext>
+    </p:extLst>
+  </p:cSld>
+  <p:clrMapOvr>
+    <a:masterClrMapping/>
+  </p:clrMapOvr>
+</p:notes>
+</file>
+
+<file path=ppt/notesSlides/notesSlide11.xml><?xml version="1.0" encoding="utf-8"?>
+<p:notes xmlns:a="http://schemas.openxmlformats.org/drawingml/2006/main" xmlns:r="http://schemas.openxmlformats.org/officeDocument/2006/relationships" xmlns:p="http://schemas.openxmlformats.org/presentationml/2006/main" showMasterSp="0" showMasterPhAnim="0">
+  <p:cSld>
+    <p:spTree>
+      <p:nvGrpSpPr>
+        <p:cNvPr id="1" name="Shape 67"/>
+        <p:cNvGrpSpPr/>
+        <p:nvPr/>
+      </p:nvGrpSpPr>
+      <p:grpSpPr>
+        <a:xfrm>
+          <a:off x="0" y="0"/>
+          <a:ext cx="0" cy="0"/>
+          <a:chOff x="0" y="0"/>
+          <a:chExt cx="0" cy="0"/>
+        </a:xfrm>
+      </p:grpSpPr>
+      <p:sp>
+        <p:nvSpPr>
+          <p:cNvPr id="68" name="Google Shape;68;g12950754164_1_0:notes"/>
+          <p:cNvSpPr>
+            <a:spLocks noGrp="1" noRot="1" noChangeAspect="1"/>
+          </p:cNvSpPr>
+          <p:nvPr>
+            <p:ph type="sldImg" idx="2"/>
+          </p:nvPr>
+        </p:nvSpPr>
+        <p:spPr>
+          <a:xfrm>
+            <a:off x="381000" y="685800"/>
+            <a:ext cx="6096000" cy="3429000"/>
+          </a:xfrm>
+          <a:custGeom>
+            <a:avLst/>
+            <a:gdLst/>
+            <a:ahLst/>
+            <a:cxnLst/>
+            <a:rect l="l" t="t" r="r" b="b"/>
+            <a:pathLst>
+              <a:path w="120000" h="120000" extrusionOk="0">
+                <a:moveTo>
+                  <a:pt x="0" y="0"/>
+                </a:moveTo>
+                <a:lnTo>
+                  <a:pt x="120000" y="0"/>
+                </a:lnTo>
+                <a:lnTo>
+                  <a:pt x="120000" y="120000"/>
+                </a:lnTo>
+                <a:lnTo>
+                  <a:pt x="0" y="120000"/>
+                </a:lnTo>
+                <a:close/>
+              </a:path>
+            </a:pathLst>
+          </a:custGeom>
+        </p:spPr>
+      </p:sp>
+      <p:sp>
+        <p:nvSpPr>
+          <p:cNvPr id="69" name="Google Shape;69;g12950754164_1_0:notes"/>
+          <p:cNvSpPr txBox="1">
+            <a:spLocks noGrp="1"/>
+          </p:cNvSpPr>
+          <p:nvPr>
+            <p:ph type="body" idx="1"/>
+          </p:nvPr>
+        </p:nvSpPr>
+        <p:spPr>
+          <a:xfrm>
+            <a:off x="685800" y="4343400"/>
+            <a:ext cx="5486400" cy="4114800"/>
+          </a:xfrm>
+          <a:prstGeom prst="rect">
+            <a:avLst/>
+          </a:prstGeom>
+        </p:spPr>
+        <p:txBody>
+          <a:bodyPr spcFirstLastPara="1" wrap="square" lIns="91425" tIns="91425" rIns="91425" bIns="91425" anchor="t" anchorCtr="0">
+            <a:noAutofit/>
+          </a:bodyPr>
+          <a:lstStyle/>
+          <a:p>
+            <a:pPr marL="0" lvl="0" indent="0" algn="l" rtl="0">
+              <a:spcBef>
+                <a:spcPts val="0"/>
+              </a:spcBef>
+              <a:spcAft>
+                <a:spcPts val="0"/>
+              </a:spcAft>
+              <a:buNone/>
+            </a:pPr>
+            <a:endParaRPr/>
+          </a:p>
+        </p:txBody>
+      </p:sp>
+    </p:spTree>
+    <p:extLst>
+      <p:ext uri="{BB962C8B-B14F-4D97-AF65-F5344CB8AC3E}">
+        <p14:creationId xmlns:p14="http://schemas.microsoft.com/office/powerpoint/2010/main" val="2387640771"/>
+      </p:ext>
+    </p:extLst>
+  </p:cSld>
+  <p:clrMapOvr>
+    <a:masterClrMapping/>
+  </p:clrMapOvr>
+</p:notes>
+</file>
+
+<file path=ppt/notesSlides/notesSlide12.xml><?xml version="1.0" encoding="utf-8"?>
+<p:notes xmlns:a="http://schemas.openxmlformats.org/drawingml/2006/main" xmlns:r="http://schemas.openxmlformats.org/officeDocument/2006/relationships" xmlns:p="http://schemas.openxmlformats.org/presentationml/2006/main" showMasterSp="0" showMasterPhAnim="0">
+  <p:cSld>
+    <p:spTree>
+      <p:nvGrpSpPr>
+        <p:cNvPr id="1" name="Shape 67"/>
+        <p:cNvGrpSpPr/>
+        <p:nvPr/>
+      </p:nvGrpSpPr>
+      <p:grpSpPr>
+        <a:xfrm>
+          <a:off x="0" y="0"/>
+          <a:ext cx="0" cy="0"/>
+          <a:chOff x="0" y="0"/>
+          <a:chExt cx="0" cy="0"/>
+        </a:xfrm>
+      </p:grpSpPr>
+      <p:sp>
+        <p:nvSpPr>
+          <p:cNvPr id="68" name="Google Shape;68;g12950754164_1_0:notes"/>
+          <p:cNvSpPr>
+            <a:spLocks noGrp="1" noRot="1" noChangeAspect="1"/>
+          </p:cNvSpPr>
+          <p:nvPr>
+            <p:ph type="sldImg" idx="2"/>
+          </p:nvPr>
+        </p:nvSpPr>
+        <p:spPr>
+          <a:xfrm>
+            <a:off x="381000" y="685800"/>
+            <a:ext cx="6096000" cy="3429000"/>
+          </a:xfrm>
+          <a:custGeom>
+            <a:avLst/>
+            <a:gdLst/>
+            <a:ahLst/>
+            <a:cxnLst/>
+            <a:rect l="l" t="t" r="r" b="b"/>
+            <a:pathLst>
+              <a:path w="120000" h="120000" extrusionOk="0">
+                <a:moveTo>
+                  <a:pt x="0" y="0"/>
+                </a:moveTo>
+                <a:lnTo>
+                  <a:pt x="120000" y="0"/>
+                </a:lnTo>
+                <a:lnTo>
+                  <a:pt x="120000" y="120000"/>
+                </a:lnTo>
+                <a:lnTo>
+                  <a:pt x="0" y="120000"/>
+                </a:lnTo>
+                <a:close/>
+              </a:path>
+            </a:pathLst>
+          </a:custGeom>
+        </p:spPr>
+      </p:sp>
+      <p:sp>
+        <p:nvSpPr>
+          <p:cNvPr id="69" name="Google Shape;69;g12950754164_1_0:notes"/>
+          <p:cNvSpPr txBox="1">
+            <a:spLocks noGrp="1"/>
+          </p:cNvSpPr>
+          <p:nvPr>
+            <p:ph type="body" idx="1"/>
+          </p:nvPr>
+        </p:nvSpPr>
+        <p:spPr>
+          <a:xfrm>
+            <a:off x="685800" y="4343400"/>
+            <a:ext cx="5486400" cy="4114800"/>
+          </a:xfrm>
+          <a:prstGeom prst="rect">
+            <a:avLst/>
+          </a:prstGeom>
+        </p:spPr>
+        <p:txBody>
+          <a:bodyPr spcFirstLastPara="1" wrap="square" lIns="91425" tIns="91425" rIns="91425" bIns="91425" anchor="t" anchorCtr="0">
+            <a:noAutofit/>
+          </a:bodyPr>
+          <a:lstStyle/>
+          <a:p>
+            <a:pPr marL="0" lvl="0" indent="0" algn="l" rtl="0">
+              <a:spcBef>
+                <a:spcPts val="0"/>
+              </a:spcBef>
+              <a:spcAft>
+                <a:spcPts val="0"/>
+              </a:spcAft>
+              <a:buNone/>
+            </a:pPr>
+            <a:endParaRPr/>
+          </a:p>
+        </p:txBody>
+      </p:sp>
+    </p:spTree>
+    <p:extLst>
+      <p:ext uri="{BB962C8B-B14F-4D97-AF65-F5344CB8AC3E}">
         <p14:creationId xmlns:p14="http://schemas.microsoft.com/office/powerpoint/2010/main" val="4172203352"/>
       </p:ext>
     </p:extLst>
@@ -927,7 +1147,7 @@
 </p:notes>
 </file>
 
-<file path=ppt/notesSlides/notesSlide11.xml><?xml version="1.0" encoding="utf-8"?>
+<file path=ppt/notesSlides/notesSlide13.xml><?xml version="1.0" encoding="utf-8"?>
 <p:notes xmlns:a="http://schemas.openxmlformats.org/drawingml/2006/main" xmlns:r="http://schemas.openxmlformats.org/officeDocument/2006/relationships" xmlns:p="http://schemas.openxmlformats.org/presentationml/2006/main" showMasterSp="0" showMasterPhAnim="0">
   <p:cSld>
     <p:spTree>
@@ -6287,7 +6507,7 @@
           <p:nvPr>
             <p:extLst>
               <p:ext uri="{D42A27DB-BD31-4B8C-83A1-F6EECF244321}">
-                <p14:modId xmlns:p14="http://schemas.microsoft.com/office/powerpoint/2010/main" val="2380240067"/>
+                <p14:modId xmlns:p14="http://schemas.microsoft.com/office/powerpoint/2010/main" val="2416412320"/>
               </p:ext>
             </p:extLst>
           </p:nvPr>
@@ -7070,11 +7290,11 @@
                         <a:defRPr/>
                       </a:pPr>
                       <a:r>
-                        <a:rPr lang="en-US" sz="1800" dirty="0">
+                        <a:rPr lang="en-US" sz="1800">
                           <a:latin typeface="Times New Roman" panose="02020603050405020304" pitchFamily="18" charset="0"/>
                           <a:cs typeface="Times New Roman" panose="02020603050405020304" pitchFamily="18" charset="0"/>
                         </a:rPr>
-                        <a:t>VIGNESH P</a:t>
+                        <a:t>VIGNESH B</a:t>
                       </a:r>
                       <a:endParaRPr lang="en-US" sz="1800" b="1" dirty="0">
                         <a:latin typeface="Times New Roman" panose="02020603050405020304" pitchFamily="18" charset="0"/>
@@ -7176,6 +7396,610 @@
         </p:nvSpPr>
         <p:spPr>
           <a:xfrm>
+            <a:off x="311700" y="266760"/>
+            <a:ext cx="8520600" cy="572700"/>
+          </a:xfrm>
+          <a:prstGeom prst="rect">
+            <a:avLst/>
+          </a:prstGeom>
+        </p:spPr>
+        <p:txBody>
+          <a:bodyPr spcFirstLastPara="1" wrap="square" lIns="91425" tIns="91425" rIns="91425" bIns="91425" anchor="t" anchorCtr="0">
+            <a:normAutofit fontScale="90000"/>
+          </a:bodyPr>
+          <a:lstStyle/>
+          <a:p>
+            <a:pPr marL="0" lvl="0" indent="0" algn="l" rtl="0">
+              <a:spcBef>
+                <a:spcPts val="0"/>
+              </a:spcBef>
+              <a:spcAft>
+                <a:spcPts val="0"/>
+              </a:spcAft>
+              <a:buNone/>
+            </a:pPr>
+            <a:r>
+              <a:rPr lang="en-GB" b="1" dirty="0">
+                <a:latin typeface="Times New Roman"/>
+                <a:ea typeface="Times New Roman"/>
+                <a:cs typeface="Times New Roman"/>
+                <a:sym typeface="Times New Roman"/>
+              </a:rPr>
+              <a:t>PROPOSED WORK</a:t>
+            </a:r>
+          </a:p>
+        </p:txBody>
+      </p:sp>
+      <p:sp>
+        <p:nvSpPr>
+          <p:cNvPr id="72" name="Google Shape;72;p16"/>
+          <p:cNvSpPr txBox="1">
+            <a:spLocks noGrp="1"/>
+          </p:cNvSpPr>
+          <p:nvPr>
+            <p:ph type="body" idx="1"/>
+          </p:nvPr>
+        </p:nvSpPr>
+        <p:spPr>
+          <a:xfrm>
+            <a:off x="311700" y="1534769"/>
+            <a:ext cx="8520600" cy="3416400"/>
+          </a:xfrm>
+          <a:prstGeom prst="rect">
+            <a:avLst/>
+          </a:prstGeom>
+        </p:spPr>
+        <p:txBody>
+          <a:bodyPr spcFirstLastPara="1" wrap="square" lIns="91425" tIns="91425" rIns="91425" bIns="91425" anchor="t" anchorCtr="0">
+            <a:noAutofit/>
+          </a:bodyPr>
+          <a:lstStyle/>
+          <a:p>
+            <a:pPr marL="285750" indent="-285750" algn="just">
+              <a:spcAft>
+                <a:spcPts val="1200"/>
+              </a:spcAft>
+            </a:pPr>
+            <a:r>
+              <a:rPr lang="en-IN" dirty="0">
+                <a:solidFill>
+                  <a:schemeClr val="tx1"/>
+                </a:solidFill>
+                <a:latin typeface="Times New Roman" panose="02020603050405020304" pitchFamily="18" charset="0"/>
+                <a:cs typeface="Times New Roman" panose="02020603050405020304" pitchFamily="18" charset="0"/>
+              </a:rPr>
+              <a:t>The work we propose contains several modules such as Dataset collection, Pre-processing, Feature extraction, and Object Detection.</a:t>
+            </a:r>
+          </a:p>
+          <a:p>
+            <a:pPr marL="285750" indent="-285750" algn="just">
+              <a:spcAft>
+                <a:spcPts val="1200"/>
+              </a:spcAft>
+            </a:pPr>
+            <a:r>
+              <a:rPr lang="en-IN" dirty="0">
+                <a:solidFill>
+                  <a:schemeClr val="tx1"/>
+                </a:solidFill>
+                <a:latin typeface="Times New Roman" panose="02020603050405020304" pitchFamily="18" charset="0"/>
+                <a:cs typeface="Times New Roman" panose="02020603050405020304" pitchFamily="18" charset="0"/>
+              </a:rPr>
+              <a:t>DATASET COLLECTION – Collection of Images with Pothole and without Pothole specific for VI people.</a:t>
+            </a:r>
+          </a:p>
+          <a:p>
+            <a:pPr marL="285750" indent="-285750" algn="just">
+              <a:spcAft>
+                <a:spcPts val="1200"/>
+              </a:spcAft>
+            </a:pPr>
+            <a:r>
+              <a:rPr lang="en-IN" dirty="0">
+                <a:solidFill>
+                  <a:schemeClr val="tx1"/>
+                </a:solidFill>
+                <a:latin typeface="Times New Roman" panose="02020603050405020304" pitchFamily="18" charset="0"/>
+                <a:cs typeface="Times New Roman" panose="02020603050405020304" pitchFamily="18" charset="0"/>
+              </a:rPr>
+              <a:t>PRE-PROCESSING – Pre-processing of Images before detection.</a:t>
+            </a:r>
+          </a:p>
+          <a:p>
+            <a:pPr marL="285750" indent="-285750" algn="just">
+              <a:spcAft>
+                <a:spcPts val="1200"/>
+              </a:spcAft>
+            </a:pPr>
+            <a:r>
+              <a:rPr lang="en-IN" dirty="0">
+                <a:solidFill>
+                  <a:schemeClr val="tx1"/>
+                </a:solidFill>
+                <a:latin typeface="Times New Roman" panose="02020603050405020304" pitchFamily="18" charset="0"/>
+                <a:cs typeface="Times New Roman" panose="02020603050405020304" pitchFamily="18" charset="0"/>
+              </a:rPr>
+              <a:t>FEATURE EXTRACTION – Extracting features using different network layers.</a:t>
+            </a:r>
+          </a:p>
+          <a:p>
+            <a:pPr marL="285750" indent="-285750" algn="just">
+              <a:spcAft>
+                <a:spcPts val="1200"/>
+              </a:spcAft>
+            </a:pPr>
+            <a:r>
+              <a:rPr lang="en-IN" dirty="0">
+                <a:solidFill>
+                  <a:schemeClr val="tx1"/>
+                </a:solidFill>
+                <a:latin typeface="Times New Roman" panose="02020603050405020304" pitchFamily="18" charset="0"/>
+                <a:cs typeface="Times New Roman" panose="02020603050405020304" pitchFamily="18" charset="0"/>
+              </a:rPr>
+              <a:t>OBJECT DETECTION – Performing </a:t>
+            </a:r>
+            <a:r>
+              <a:rPr lang="en-IN" dirty="0" err="1">
+                <a:solidFill>
+                  <a:schemeClr val="tx1"/>
+                </a:solidFill>
+                <a:latin typeface="Times New Roman" panose="02020603050405020304" pitchFamily="18" charset="0"/>
+                <a:cs typeface="Times New Roman" panose="02020603050405020304" pitchFamily="18" charset="0"/>
+              </a:rPr>
+              <a:t>realtime</a:t>
+            </a:r>
+            <a:r>
+              <a:rPr lang="en-IN" dirty="0">
+                <a:solidFill>
+                  <a:schemeClr val="tx1"/>
+                </a:solidFill>
+                <a:latin typeface="Times New Roman" panose="02020603050405020304" pitchFamily="18" charset="0"/>
+                <a:cs typeface="Times New Roman" panose="02020603050405020304" pitchFamily="18" charset="0"/>
+              </a:rPr>
+              <a:t> detection.</a:t>
+            </a:r>
+          </a:p>
+        </p:txBody>
+      </p:sp>
+      <p:sp>
+        <p:nvSpPr>
+          <p:cNvPr id="4" name="Google Shape;71;p16">
+            <a:extLst>
+              <a:ext uri="{FF2B5EF4-FFF2-40B4-BE49-F238E27FC236}">
+                <a16:creationId xmlns:a16="http://schemas.microsoft.com/office/drawing/2014/main" id="{203C01FE-F7D2-44BD-9A63-1D303090D41F}"/>
+              </a:ext>
+            </a:extLst>
+          </p:cNvPr>
+          <p:cNvSpPr txBox="1">
+            <a:spLocks/>
+          </p:cNvSpPr>
+          <p:nvPr/>
+        </p:nvSpPr>
+        <p:spPr>
+          <a:xfrm>
+            <a:off x="311700" y="839460"/>
+            <a:ext cx="8520600" cy="572700"/>
+          </a:xfrm>
+          <a:prstGeom prst="rect">
+            <a:avLst/>
+          </a:prstGeom>
+          <a:noFill/>
+          <a:ln>
+            <a:noFill/>
+          </a:ln>
+        </p:spPr>
+        <p:txBody>
+          <a:bodyPr spcFirstLastPara="1" wrap="square" lIns="91425" tIns="91425" rIns="91425" bIns="91425" anchor="t" anchorCtr="0">
+            <a:normAutofit fontScale="97500"/>
+          </a:bodyPr>
+          <a:lstStyle>
+            <a:defPPr marR="0" lvl="0" algn="l" rtl="0">
+              <a:lnSpc>
+                <a:spcPct val="100000"/>
+              </a:lnSpc>
+              <a:spcBef>
+                <a:spcPts val="0"/>
+              </a:spcBef>
+              <a:spcAft>
+                <a:spcPts val="0"/>
+              </a:spcAft>
+            </a:defPPr>
+            <a:lvl1pPr marR="0" lvl="0" algn="l" rtl="0">
+              <a:lnSpc>
+                <a:spcPct val="100000"/>
+              </a:lnSpc>
+              <a:spcBef>
+                <a:spcPts val="0"/>
+              </a:spcBef>
+              <a:spcAft>
+                <a:spcPts val="0"/>
+              </a:spcAft>
+              <a:buClr>
+                <a:schemeClr val="dk1"/>
+              </a:buClr>
+              <a:buSzPts val="2800"/>
+              <a:buFont typeface="Arial"/>
+              <a:buNone/>
+              <a:defRPr sz="2800" b="0" i="0" u="none" strike="noStrike" cap="none">
+                <a:solidFill>
+                  <a:schemeClr val="dk1"/>
+                </a:solidFill>
+                <a:latin typeface="Arial"/>
+                <a:ea typeface="Arial"/>
+                <a:cs typeface="Arial"/>
+                <a:sym typeface="Arial"/>
+              </a:defRPr>
+            </a:lvl1pPr>
+            <a:lvl2pPr marR="0" lvl="1" algn="l" rtl="0">
+              <a:lnSpc>
+                <a:spcPct val="100000"/>
+              </a:lnSpc>
+              <a:spcBef>
+                <a:spcPts val="0"/>
+              </a:spcBef>
+              <a:spcAft>
+                <a:spcPts val="0"/>
+              </a:spcAft>
+              <a:buClr>
+                <a:schemeClr val="dk1"/>
+              </a:buClr>
+              <a:buSzPts val="2800"/>
+              <a:buFont typeface="Arial"/>
+              <a:buNone/>
+              <a:defRPr sz="2800" b="0" i="0" u="none" strike="noStrike" cap="none">
+                <a:solidFill>
+                  <a:schemeClr val="dk1"/>
+                </a:solidFill>
+                <a:latin typeface="Arial"/>
+                <a:ea typeface="Arial"/>
+                <a:cs typeface="Arial"/>
+                <a:sym typeface="Arial"/>
+              </a:defRPr>
+            </a:lvl2pPr>
+            <a:lvl3pPr marR="0" lvl="2" algn="l" rtl="0">
+              <a:lnSpc>
+                <a:spcPct val="100000"/>
+              </a:lnSpc>
+              <a:spcBef>
+                <a:spcPts val="0"/>
+              </a:spcBef>
+              <a:spcAft>
+                <a:spcPts val="0"/>
+              </a:spcAft>
+              <a:buClr>
+                <a:schemeClr val="dk1"/>
+              </a:buClr>
+              <a:buSzPts val="2800"/>
+              <a:buFont typeface="Arial"/>
+              <a:buNone/>
+              <a:defRPr sz="2800" b="0" i="0" u="none" strike="noStrike" cap="none">
+                <a:solidFill>
+                  <a:schemeClr val="dk1"/>
+                </a:solidFill>
+                <a:latin typeface="Arial"/>
+                <a:ea typeface="Arial"/>
+                <a:cs typeface="Arial"/>
+                <a:sym typeface="Arial"/>
+              </a:defRPr>
+            </a:lvl3pPr>
+            <a:lvl4pPr marR="0" lvl="3" algn="l" rtl="0">
+              <a:lnSpc>
+                <a:spcPct val="100000"/>
+              </a:lnSpc>
+              <a:spcBef>
+                <a:spcPts val="0"/>
+              </a:spcBef>
+              <a:spcAft>
+                <a:spcPts val="0"/>
+              </a:spcAft>
+              <a:buClr>
+                <a:schemeClr val="dk1"/>
+              </a:buClr>
+              <a:buSzPts val="2800"/>
+              <a:buFont typeface="Arial"/>
+              <a:buNone/>
+              <a:defRPr sz="2800" b="0" i="0" u="none" strike="noStrike" cap="none">
+                <a:solidFill>
+                  <a:schemeClr val="dk1"/>
+                </a:solidFill>
+                <a:latin typeface="Arial"/>
+                <a:ea typeface="Arial"/>
+                <a:cs typeface="Arial"/>
+                <a:sym typeface="Arial"/>
+              </a:defRPr>
+            </a:lvl4pPr>
+            <a:lvl5pPr marR="0" lvl="4" algn="l" rtl="0">
+              <a:lnSpc>
+                <a:spcPct val="100000"/>
+              </a:lnSpc>
+              <a:spcBef>
+                <a:spcPts val="0"/>
+              </a:spcBef>
+              <a:spcAft>
+                <a:spcPts val="0"/>
+              </a:spcAft>
+              <a:buClr>
+                <a:schemeClr val="dk1"/>
+              </a:buClr>
+              <a:buSzPts val="2800"/>
+              <a:buFont typeface="Arial"/>
+              <a:buNone/>
+              <a:defRPr sz="2800" b="0" i="0" u="none" strike="noStrike" cap="none">
+                <a:solidFill>
+                  <a:schemeClr val="dk1"/>
+                </a:solidFill>
+                <a:latin typeface="Arial"/>
+                <a:ea typeface="Arial"/>
+                <a:cs typeface="Arial"/>
+                <a:sym typeface="Arial"/>
+              </a:defRPr>
+            </a:lvl5pPr>
+            <a:lvl6pPr marR="0" lvl="5" algn="l" rtl="0">
+              <a:lnSpc>
+                <a:spcPct val="100000"/>
+              </a:lnSpc>
+              <a:spcBef>
+                <a:spcPts val="0"/>
+              </a:spcBef>
+              <a:spcAft>
+                <a:spcPts val="0"/>
+              </a:spcAft>
+              <a:buClr>
+                <a:schemeClr val="dk1"/>
+              </a:buClr>
+              <a:buSzPts val="2800"/>
+              <a:buFont typeface="Arial"/>
+              <a:buNone/>
+              <a:defRPr sz="2800" b="0" i="0" u="none" strike="noStrike" cap="none">
+                <a:solidFill>
+                  <a:schemeClr val="dk1"/>
+                </a:solidFill>
+                <a:latin typeface="Arial"/>
+                <a:ea typeface="Arial"/>
+                <a:cs typeface="Arial"/>
+                <a:sym typeface="Arial"/>
+              </a:defRPr>
+            </a:lvl6pPr>
+            <a:lvl7pPr marR="0" lvl="6" algn="l" rtl="0">
+              <a:lnSpc>
+                <a:spcPct val="100000"/>
+              </a:lnSpc>
+              <a:spcBef>
+                <a:spcPts val="0"/>
+              </a:spcBef>
+              <a:spcAft>
+                <a:spcPts val="0"/>
+              </a:spcAft>
+              <a:buClr>
+                <a:schemeClr val="dk1"/>
+              </a:buClr>
+              <a:buSzPts val="2800"/>
+              <a:buFont typeface="Arial"/>
+              <a:buNone/>
+              <a:defRPr sz="2800" b="0" i="0" u="none" strike="noStrike" cap="none">
+                <a:solidFill>
+                  <a:schemeClr val="dk1"/>
+                </a:solidFill>
+                <a:latin typeface="Arial"/>
+                <a:ea typeface="Arial"/>
+                <a:cs typeface="Arial"/>
+                <a:sym typeface="Arial"/>
+              </a:defRPr>
+            </a:lvl7pPr>
+            <a:lvl8pPr marR="0" lvl="7" algn="l" rtl="0">
+              <a:lnSpc>
+                <a:spcPct val="100000"/>
+              </a:lnSpc>
+              <a:spcBef>
+                <a:spcPts val="0"/>
+              </a:spcBef>
+              <a:spcAft>
+                <a:spcPts val="0"/>
+              </a:spcAft>
+              <a:buClr>
+                <a:schemeClr val="dk1"/>
+              </a:buClr>
+              <a:buSzPts val="2800"/>
+              <a:buFont typeface="Arial"/>
+              <a:buNone/>
+              <a:defRPr sz="2800" b="0" i="0" u="none" strike="noStrike" cap="none">
+                <a:solidFill>
+                  <a:schemeClr val="dk1"/>
+                </a:solidFill>
+                <a:latin typeface="Arial"/>
+                <a:ea typeface="Arial"/>
+                <a:cs typeface="Arial"/>
+                <a:sym typeface="Arial"/>
+              </a:defRPr>
+            </a:lvl8pPr>
+            <a:lvl9pPr marR="0" lvl="8" algn="l" rtl="0">
+              <a:lnSpc>
+                <a:spcPct val="100000"/>
+              </a:lnSpc>
+              <a:spcBef>
+                <a:spcPts val="0"/>
+              </a:spcBef>
+              <a:spcAft>
+                <a:spcPts val="0"/>
+              </a:spcAft>
+              <a:buClr>
+                <a:schemeClr val="dk1"/>
+              </a:buClr>
+              <a:buSzPts val="2800"/>
+              <a:buFont typeface="Arial"/>
+              <a:buNone/>
+              <a:defRPr sz="2800" b="0" i="0" u="none" strike="noStrike" cap="none">
+                <a:solidFill>
+                  <a:schemeClr val="dk1"/>
+                </a:solidFill>
+                <a:latin typeface="Arial"/>
+                <a:ea typeface="Arial"/>
+                <a:cs typeface="Arial"/>
+                <a:sym typeface="Arial"/>
+              </a:defRPr>
+            </a:lvl9pPr>
+          </a:lstStyle>
+          <a:p>
+            <a:r>
+              <a:rPr lang="en-GB" sz="2000" b="1" dirty="0">
+                <a:latin typeface="Times New Roman"/>
+                <a:ea typeface="Times New Roman"/>
+                <a:cs typeface="Times New Roman"/>
+                <a:sym typeface="Times New Roman"/>
+              </a:rPr>
+              <a:t>MODULES</a:t>
+            </a:r>
+          </a:p>
+        </p:txBody>
+      </p:sp>
+    </p:spTree>
+    <p:extLst>
+      <p:ext uri="{BB962C8B-B14F-4D97-AF65-F5344CB8AC3E}">
+        <p14:creationId xmlns:p14="http://schemas.microsoft.com/office/powerpoint/2010/main" val="3364185206"/>
+      </p:ext>
+    </p:extLst>
+  </p:cSld>
+  <p:clrMapOvr>
+    <a:masterClrMapping/>
+  </p:clrMapOvr>
+</p:sld>
+</file>
+
+<file path=ppt/slides/slide11.xml><?xml version="1.0" encoding="utf-8"?>
+<p:sld xmlns:a="http://schemas.openxmlformats.org/drawingml/2006/main" xmlns:r="http://schemas.openxmlformats.org/officeDocument/2006/relationships" xmlns:p="http://schemas.openxmlformats.org/presentationml/2006/main">
+  <p:cSld>
+    <p:spTree>
+      <p:nvGrpSpPr>
+        <p:cNvPr id="1" name="Shape 70"/>
+        <p:cNvGrpSpPr/>
+        <p:nvPr/>
+      </p:nvGrpSpPr>
+      <p:grpSpPr>
+        <a:xfrm>
+          <a:off x="0" y="0"/>
+          <a:ext cx="0" cy="0"/>
+          <a:chOff x="0" y="0"/>
+          <a:chExt cx="0" cy="0"/>
+        </a:xfrm>
+      </p:grpSpPr>
+      <p:sp>
+        <p:nvSpPr>
+          <p:cNvPr id="71" name="Google Shape;71;p16"/>
+          <p:cNvSpPr txBox="1">
+            <a:spLocks noGrp="1"/>
+          </p:cNvSpPr>
+          <p:nvPr>
+            <p:ph type="title"/>
+          </p:nvPr>
+        </p:nvSpPr>
+        <p:spPr>
+          <a:xfrm>
+            <a:off x="311700" y="266760"/>
+            <a:ext cx="8520600" cy="572700"/>
+          </a:xfrm>
+          <a:prstGeom prst="rect">
+            <a:avLst/>
+          </a:prstGeom>
+        </p:spPr>
+        <p:txBody>
+          <a:bodyPr spcFirstLastPara="1" wrap="square" lIns="91425" tIns="91425" rIns="91425" bIns="91425" anchor="t" anchorCtr="0">
+            <a:normAutofit fontScale="90000"/>
+          </a:bodyPr>
+          <a:lstStyle/>
+          <a:p>
+            <a:pPr marL="0" lvl="0" indent="0" algn="l" rtl="0">
+              <a:spcBef>
+                <a:spcPts val="0"/>
+              </a:spcBef>
+              <a:spcAft>
+                <a:spcPts val="0"/>
+              </a:spcAft>
+              <a:buNone/>
+            </a:pPr>
+            <a:r>
+              <a:rPr lang="en-GB" b="1" dirty="0">
+                <a:latin typeface="Times New Roman"/>
+                <a:ea typeface="Times New Roman"/>
+                <a:cs typeface="Times New Roman"/>
+                <a:sym typeface="Times New Roman"/>
+              </a:rPr>
+              <a:t>ALGORITHM OF PROPOSED WORK</a:t>
+            </a:r>
+          </a:p>
+        </p:txBody>
+      </p:sp>
+      <p:pic>
+        <p:nvPicPr>
+          <p:cNvPr id="3" name="Picture 2">
+            <a:extLst>
+              <a:ext uri="{FF2B5EF4-FFF2-40B4-BE49-F238E27FC236}">
+                <a16:creationId xmlns:a16="http://schemas.microsoft.com/office/drawing/2014/main" id="{D585838A-F5B3-432B-A690-1CCBB87BF6B6}"/>
+              </a:ext>
+            </a:extLst>
+          </p:cNvPr>
+          <p:cNvPicPr>
+            <a:picLocks noChangeAspect="1"/>
+          </p:cNvPicPr>
+          <p:nvPr/>
+        </p:nvPicPr>
+        <p:blipFill>
+          <a:blip r:embed="rId3"/>
+          <a:stretch>
+            <a:fillRect/>
+          </a:stretch>
+        </p:blipFill>
+        <p:spPr>
+          <a:xfrm>
+            <a:off x="369995" y="839460"/>
+            <a:ext cx="8404009" cy="2466753"/>
+          </a:xfrm>
+          <a:prstGeom prst="rect">
+            <a:avLst/>
+          </a:prstGeom>
+        </p:spPr>
+      </p:pic>
+    </p:spTree>
+    <p:extLst>
+      <p:ext uri="{BB962C8B-B14F-4D97-AF65-F5344CB8AC3E}">
+        <p14:creationId xmlns:p14="http://schemas.microsoft.com/office/powerpoint/2010/main" val="2861106244"/>
+      </p:ext>
+    </p:extLst>
+  </p:cSld>
+  <p:clrMapOvr>
+    <a:masterClrMapping/>
+  </p:clrMapOvr>
+</p:sld>
+</file>
+
+<file path=ppt/slides/slide12.xml><?xml version="1.0" encoding="utf-8"?>
+<p:sld xmlns:a="http://schemas.openxmlformats.org/drawingml/2006/main" xmlns:r="http://schemas.openxmlformats.org/officeDocument/2006/relationships" xmlns:p="http://schemas.openxmlformats.org/presentationml/2006/main">
+  <p:cSld>
+    <p:spTree>
+      <p:nvGrpSpPr>
+        <p:cNvPr id="1" name="Shape 70"/>
+        <p:cNvGrpSpPr/>
+        <p:nvPr/>
+      </p:nvGrpSpPr>
+      <p:grpSpPr>
+        <a:xfrm>
+          <a:off x="0" y="0"/>
+          <a:ext cx="0" cy="0"/>
+          <a:chOff x="0" y="0"/>
+          <a:chExt cx="0" cy="0"/>
+        </a:xfrm>
+      </p:grpSpPr>
+      <p:sp>
+        <p:nvSpPr>
+          <p:cNvPr id="71" name="Google Shape;71;p16"/>
+          <p:cNvSpPr txBox="1">
+            <a:spLocks noGrp="1"/>
+          </p:cNvSpPr>
+          <p:nvPr>
+            <p:ph type="title"/>
+          </p:nvPr>
+        </p:nvSpPr>
+        <p:spPr>
+          <a:xfrm>
             <a:off x="311700" y="261610"/>
             <a:ext cx="8520600" cy="572700"/>
           </a:xfrm>
@@ -7259,7 +8083,7 @@
 </p:sld>
 </file>
 
-<file path=ppt/slides/slide11.xml><?xml version="1.0" encoding="utf-8"?>
+<file path=ppt/slides/slide13.xml><?xml version="1.0" encoding="utf-8"?>
 <p:sld xmlns:a="http://schemas.openxmlformats.org/drawingml/2006/main" xmlns:r="http://schemas.openxmlformats.org/officeDocument/2006/relationships" xmlns:p="http://schemas.openxmlformats.org/presentationml/2006/main">
   <p:cSld>
     <p:spTree>
@@ -7381,7 +8205,7 @@
 </p:sld>
 </file>
 
-<file path=ppt/slides/slide12.xml><?xml version="1.0" encoding="utf-8"?>
+<file path=ppt/slides/slide14.xml><?xml version="1.0" encoding="utf-8"?>
 <p:sld xmlns:a="http://schemas.openxmlformats.org/drawingml/2006/main" xmlns:r="http://schemas.openxmlformats.org/officeDocument/2006/relationships" xmlns:p="http://schemas.openxmlformats.org/presentationml/2006/main">
   <p:cSld>
     <p:spTree>
@@ -7484,7 +8308,7 @@
 </p:sld>
 </file>
 
-<file path=ppt/slides/slide13.xml><?xml version="1.0" encoding="utf-8"?>
+<file path=ppt/slides/slide15.xml><?xml version="1.0" encoding="utf-8"?>
 <p:sld xmlns:a="http://schemas.openxmlformats.org/drawingml/2006/main" xmlns:r="http://schemas.openxmlformats.org/officeDocument/2006/relationships" xmlns:p="http://schemas.openxmlformats.org/presentationml/2006/main">
   <p:cSld>
     <p:spTree>
@@ -7822,7 +8646,7 @@
 </p:sld>
 </file>
 
-<file path=ppt/slides/slide14.xml><?xml version="1.0" encoding="utf-8"?>
+<file path=ppt/slides/slide16.xml><?xml version="1.0" encoding="utf-8"?>
 <p:sld xmlns:a="http://schemas.openxmlformats.org/drawingml/2006/main" xmlns:r="http://schemas.openxmlformats.org/officeDocument/2006/relationships" xmlns:p="http://schemas.openxmlformats.org/presentationml/2006/main">
   <p:cSld>
     <p:spTree>

--- a/presentation 1/POTHOLE DETECTION FOR VISUALLY IMPAIRED USING YOLO V1.pptx
+++ b/presentation 1/POTHOLE DETECTION FOR VISUALLY IMPAIRED USING YOLO V1.pptx
@@ -5,7 +5,7 @@
     <p:sldMasterId id="2147483659" r:id="rId1"/>
   </p:sldMasterIdLst>
   <p:notesMasterIdLst>
-    <p:notesMasterId r:id="rId18"/>
+    <p:notesMasterId r:id="rId17"/>
   </p:notesMasterIdLst>
   <p:sldIdLst>
     <p:sldId id="257" r:id="rId2"/>
@@ -20,10 +20,9 @@
     <p:sldId id="274" r:id="rId11"/>
     <p:sldId id="275" r:id="rId12"/>
     <p:sldId id="262" r:id="rId13"/>
-    <p:sldId id="268" r:id="rId14"/>
-    <p:sldId id="264" r:id="rId15"/>
-    <p:sldId id="265" r:id="rId16"/>
-    <p:sldId id="266" r:id="rId17"/>
+    <p:sldId id="265" r:id="rId14"/>
+    <p:sldId id="266" r:id="rId15"/>
+    <p:sldId id="276" r:id="rId16"/>
   </p:sldIdLst>
   <p:sldSz cx="9144000" cy="5143500" type="screen16x9"/>
   <p:notesSz cx="6858000" cy="9144000"/>
@@ -1147,115 +1146,6 @@
 </p:notes>
 </file>
 
-<file path=ppt/notesSlides/notesSlide13.xml><?xml version="1.0" encoding="utf-8"?>
-<p:notes xmlns:a="http://schemas.openxmlformats.org/drawingml/2006/main" xmlns:r="http://schemas.openxmlformats.org/officeDocument/2006/relationships" xmlns:p="http://schemas.openxmlformats.org/presentationml/2006/main" showMasterSp="0" showMasterPhAnim="0">
-  <p:cSld>
-    <p:spTree>
-      <p:nvGrpSpPr>
-        <p:cNvPr id="1" name="Shape 67"/>
-        <p:cNvGrpSpPr/>
-        <p:nvPr/>
-      </p:nvGrpSpPr>
-      <p:grpSpPr>
-        <a:xfrm>
-          <a:off x="0" y="0"/>
-          <a:ext cx="0" cy="0"/>
-          <a:chOff x="0" y="0"/>
-          <a:chExt cx="0" cy="0"/>
-        </a:xfrm>
-      </p:grpSpPr>
-      <p:sp>
-        <p:nvSpPr>
-          <p:cNvPr id="68" name="Google Shape;68;g12950754164_1_0:notes"/>
-          <p:cNvSpPr>
-            <a:spLocks noGrp="1" noRot="1" noChangeAspect="1"/>
-          </p:cNvSpPr>
-          <p:nvPr>
-            <p:ph type="sldImg" idx="2"/>
-          </p:nvPr>
-        </p:nvSpPr>
-        <p:spPr>
-          <a:xfrm>
-            <a:off x="381000" y="685800"/>
-            <a:ext cx="6096000" cy="3429000"/>
-          </a:xfrm>
-          <a:custGeom>
-            <a:avLst/>
-            <a:gdLst/>
-            <a:ahLst/>
-            <a:cxnLst/>
-            <a:rect l="l" t="t" r="r" b="b"/>
-            <a:pathLst>
-              <a:path w="120000" h="120000" extrusionOk="0">
-                <a:moveTo>
-                  <a:pt x="0" y="0"/>
-                </a:moveTo>
-                <a:lnTo>
-                  <a:pt x="120000" y="0"/>
-                </a:lnTo>
-                <a:lnTo>
-                  <a:pt x="120000" y="120000"/>
-                </a:lnTo>
-                <a:lnTo>
-                  <a:pt x="0" y="120000"/>
-                </a:lnTo>
-                <a:close/>
-              </a:path>
-            </a:pathLst>
-          </a:custGeom>
-        </p:spPr>
-      </p:sp>
-      <p:sp>
-        <p:nvSpPr>
-          <p:cNvPr id="69" name="Google Shape;69;g12950754164_1_0:notes"/>
-          <p:cNvSpPr txBox="1">
-            <a:spLocks noGrp="1"/>
-          </p:cNvSpPr>
-          <p:nvPr>
-            <p:ph type="body" idx="1"/>
-          </p:nvPr>
-        </p:nvSpPr>
-        <p:spPr>
-          <a:xfrm>
-            <a:off x="685800" y="4343400"/>
-            <a:ext cx="5486400" cy="4114800"/>
-          </a:xfrm>
-          <a:prstGeom prst="rect">
-            <a:avLst/>
-          </a:prstGeom>
-        </p:spPr>
-        <p:txBody>
-          <a:bodyPr spcFirstLastPara="1" wrap="square" lIns="91425" tIns="91425" rIns="91425" bIns="91425" anchor="t" anchorCtr="0">
-            <a:noAutofit/>
-          </a:bodyPr>
-          <a:lstStyle/>
-          <a:p>
-            <a:pPr marL="0" lvl="0" indent="0" algn="l" rtl="0">
-              <a:spcBef>
-                <a:spcPts val="0"/>
-              </a:spcBef>
-              <a:spcAft>
-                <a:spcPts val="0"/>
-              </a:spcAft>
-              <a:buNone/>
-            </a:pPr>
-            <a:endParaRPr/>
-          </a:p>
-        </p:txBody>
-      </p:sp>
-    </p:spTree>
-    <p:extLst>
-      <p:ext uri="{BB962C8B-B14F-4D97-AF65-F5344CB8AC3E}">
-        <p14:creationId xmlns:p14="http://schemas.microsoft.com/office/powerpoint/2010/main" val="4040800061"/>
-      </p:ext>
-    </p:extLst>
-  </p:cSld>
-  <p:clrMapOvr>
-    <a:masterClrMapping/>
-  </p:clrMapOvr>
-</p:notes>
-</file>
-
 <file path=ppt/notesSlides/notesSlide2.xml><?xml version="1.0" encoding="utf-8"?>
 <p:notes xmlns:a="http://schemas.openxmlformats.org/drawingml/2006/main" xmlns:r="http://schemas.openxmlformats.org/officeDocument/2006/relationships" xmlns:p="http://schemas.openxmlformats.org/presentationml/2006/main" showMasterSp="0" showMasterPhAnim="0">
   <p:cSld>
@@ -5217,9 +5107,36 @@
   <p:cSld name="simple-light-2">
     <p:bg>
       <p:bgPr>
-        <a:solidFill>
-          <a:schemeClr val="lt1"/>
-        </a:solidFill>
+        <a:gradFill flip="none" rotWithShape="1">
+          <a:gsLst>
+            <a:gs pos="0">
+              <a:schemeClr val="accent1">
+                <a:lumMod val="5000"/>
+                <a:lumOff val="95000"/>
+              </a:schemeClr>
+            </a:gs>
+            <a:gs pos="39000">
+              <a:schemeClr val="accent1">
+                <a:lumMod val="45000"/>
+                <a:lumOff val="55000"/>
+              </a:schemeClr>
+            </a:gs>
+            <a:gs pos="100000">
+              <a:schemeClr val="accent5">
+                <a:lumMod val="20000"/>
+                <a:lumOff val="80000"/>
+              </a:schemeClr>
+            </a:gs>
+            <a:gs pos="72000">
+              <a:schemeClr val="accent1">
+                <a:lumMod val="30000"/>
+                <a:lumOff val="70000"/>
+              </a:schemeClr>
+            </a:gs>
+          </a:gsLst>
+          <a:lin ang="10800000" scaled="1"/>
+          <a:tileRect/>
+        </a:gradFill>
         <a:effectLst/>
       </p:bgPr>
     </p:bg>
@@ -6486,6 +6403,37 @@
 <file path=ppt/slides/slide1.xml><?xml version="1.0" encoding="utf-8"?>
 <p:sld xmlns:a="http://schemas.openxmlformats.org/drawingml/2006/main" xmlns:r="http://schemas.openxmlformats.org/officeDocument/2006/relationships" xmlns:p="http://schemas.openxmlformats.org/presentationml/2006/main">
   <p:cSld>
+    <p:bg>
+      <p:bgPr>
+        <a:gradFill flip="none" rotWithShape="1">
+          <a:gsLst>
+            <a:gs pos="100000">
+              <a:srgbClr val="A486FE"/>
+            </a:gs>
+            <a:gs pos="100000">
+              <a:srgbClr val="9933FF"/>
+            </a:gs>
+            <a:gs pos="100000">
+              <a:srgbClr val="9933FF">
+                <a:alpha val="1961"/>
+              </a:srgbClr>
+            </a:gs>
+            <a:gs pos="54000">
+              <a:srgbClr val="AFD8FC"/>
+            </a:gs>
+            <a:gs pos="0">
+              <a:schemeClr val="accent1">
+                <a:lumMod val="45000"/>
+                <a:lumOff val="55000"/>
+              </a:schemeClr>
+            </a:gs>
+          </a:gsLst>
+          <a:lin ang="10800000" scaled="1"/>
+          <a:tileRect/>
+        </a:gradFill>
+        <a:effectLst/>
+      </p:bgPr>
+    </p:bg>
     <p:spTree>
       <p:nvGrpSpPr>
         <p:cNvPr id="1" name="Shape 58"/>
@@ -6507,7 +6455,7 @@
           <p:nvPr>
             <p:extLst>
               <p:ext uri="{D42A27DB-BD31-4B8C-83A1-F6EECF244321}">
-                <p14:modId xmlns:p14="http://schemas.microsoft.com/office/powerpoint/2010/main" val="2416412320"/>
+                <p14:modId xmlns:p14="http://schemas.microsoft.com/office/powerpoint/2010/main" val="1302843851"/>
               </p:ext>
             </p:extLst>
           </p:nvPr>
@@ -7290,7 +7238,7 @@
                         <a:defRPr/>
                       </a:pPr>
                       <a:r>
-                        <a:rPr lang="en-US" sz="1800">
+                        <a:rPr lang="en-US" sz="1800" dirty="0">
                           <a:latin typeface="Times New Roman" panose="02020603050405020304" pitchFamily="18" charset="0"/>
                           <a:cs typeface="Times New Roman" panose="02020603050405020304" pitchFamily="18" charset="0"/>
                         </a:rPr>
@@ -7370,6 +7318,43 @@
 <file path=ppt/slides/slide10.xml><?xml version="1.0" encoding="utf-8"?>
 <p:sld xmlns:a="http://schemas.openxmlformats.org/drawingml/2006/main" xmlns:r="http://schemas.openxmlformats.org/officeDocument/2006/relationships" xmlns:p="http://schemas.openxmlformats.org/presentationml/2006/main">
   <p:cSld>
+    <p:bg>
+      <p:bgPr>
+        <a:gradFill flip="none" rotWithShape="1">
+          <a:gsLst>
+            <a:gs pos="0">
+              <a:schemeClr val="accent1">
+                <a:lumMod val="5000"/>
+                <a:lumOff val="95000"/>
+              </a:schemeClr>
+            </a:gs>
+            <a:gs pos="39000">
+              <a:schemeClr val="accent1">
+                <a:lumMod val="45000"/>
+                <a:lumOff val="55000"/>
+              </a:schemeClr>
+            </a:gs>
+            <a:gs pos="100000">
+              <a:schemeClr val="accent5">
+                <a:lumMod val="20000"/>
+                <a:lumOff val="80000"/>
+              </a:schemeClr>
+            </a:gs>
+            <a:gs pos="72000">
+              <a:schemeClr val="accent1">
+                <a:lumMod val="30000"/>
+                <a:lumOff val="70000"/>
+              </a:schemeClr>
+            </a:gs>
+          </a:gsLst>
+          <a:path path="rect">
+            <a:fillToRect l="100000" t="100000"/>
+          </a:path>
+          <a:tileRect r="-100000" b="-100000"/>
+        </a:gradFill>
+        <a:effectLst/>
+      </p:bgPr>
+    </p:bg>
     <p:spTree>
       <p:nvGrpSpPr>
         <p:cNvPr id="1" name="Shape 70"/>
@@ -7868,6 +7853,26 @@
 <file path=ppt/slides/slide11.xml><?xml version="1.0" encoding="utf-8"?>
 <p:sld xmlns:a="http://schemas.openxmlformats.org/drawingml/2006/main" xmlns:r="http://schemas.openxmlformats.org/officeDocument/2006/relationships" xmlns:p="http://schemas.openxmlformats.org/presentationml/2006/main">
   <p:cSld>
+    <p:bg>
+      <p:bgPr>
+        <a:gradFill flip="none" rotWithShape="1">
+          <a:gsLst>
+            <a:gs pos="77000">
+              <a:schemeClr val="bg1"/>
+            </a:gs>
+            <a:gs pos="100000">
+              <a:schemeClr val="accent5">
+                <a:lumMod val="20000"/>
+                <a:lumOff val="80000"/>
+              </a:schemeClr>
+            </a:gs>
+          </a:gsLst>
+          <a:lin ang="5400000" scaled="1"/>
+          <a:tileRect/>
+        </a:gradFill>
+        <a:effectLst/>
+      </p:bgPr>
+    </p:bg>
     <p:spTree>
       <p:nvGrpSpPr>
         <p:cNvPr id="1" name="Shape 70"/>
@@ -7950,14 +7955,81 @@
         </p:blipFill>
         <p:spPr>
           <a:xfrm>
-            <a:off x="369995" y="839460"/>
+            <a:off x="428291" y="954276"/>
             <a:ext cx="8404009" cy="2466753"/>
           </a:xfrm>
           <a:prstGeom prst="rect">
             <a:avLst/>
           </a:prstGeom>
+          <a:effectLst>
+            <a:softEdge rad="38100"/>
+          </a:effectLst>
         </p:spPr>
       </p:pic>
+      <p:sp>
+        <p:nvSpPr>
+          <p:cNvPr id="4" name="Google Shape;72;p16">
+            <a:extLst>
+              <a:ext uri="{FF2B5EF4-FFF2-40B4-BE49-F238E27FC236}">
+                <a16:creationId xmlns:a16="http://schemas.microsoft.com/office/drawing/2014/main" id="{5B71799C-A0D7-4E01-8DDA-E561C414A47C}"/>
+              </a:ext>
+            </a:extLst>
+          </p:cNvPr>
+          <p:cNvSpPr txBox="1">
+            <a:spLocks noGrp="1"/>
+          </p:cNvSpPr>
+          <p:nvPr>
+            <p:ph type="body" idx="1"/>
+          </p:nvPr>
+        </p:nvSpPr>
+        <p:spPr>
+          <a:xfrm>
+            <a:off x="311700" y="3641221"/>
+            <a:ext cx="8520600" cy="1235519"/>
+          </a:xfrm>
+          <a:prstGeom prst="rect">
+            <a:avLst/>
+          </a:prstGeom>
+        </p:spPr>
+        <p:txBody>
+          <a:bodyPr spcFirstLastPara="1" wrap="square" lIns="91425" tIns="91425" rIns="91425" bIns="91425" anchor="t" anchorCtr="0">
+            <a:noAutofit/>
+          </a:bodyPr>
+          <a:lstStyle/>
+          <a:p>
+            <a:pPr marL="285750" indent="-285750" algn="just">
+              <a:spcAft>
+                <a:spcPts val="1200"/>
+              </a:spcAft>
+            </a:pPr>
+            <a:r>
+              <a:rPr lang="en-IN" dirty="0">
+                <a:solidFill>
+                  <a:schemeClr val="tx1"/>
+                </a:solidFill>
+                <a:latin typeface="Times New Roman" panose="02020603050405020304" pitchFamily="18" charset="0"/>
+                <a:cs typeface="Times New Roman" panose="02020603050405020304" pitchFamily="18" charset="0"/>
+              </a:rPr>
+              <a:t>The YOLO algorithm is used in the proposed work. It is lightweight and faster. It is a state-of-the-art, real-time object identification system developed by Joseph Redmon that can distinguish several items in a single frame. </a:t>
+            </a:r>
+          </a:p>
+          <a:p>
+            <a:pPr marL="0" indent="0" algn="just">
+              <a:spcAft>
+                <a:spcPts val="1200"/>
+              </a:spcAft>
+              <a:buNone/>
+            </a:pPr>
+            <a:endParaRPr lang="en-IN" dirty="0">
+              <a:solidFill>
+                <a:schemeClr val="tx1"/>
+              </a:solidFill>
+              <a:latin typeface="Times New Roman" panose="02020603050405020304" pitchFamily="18" charset="0"/>
+              <a:cs typeface="Times New Roman" panose="02020603050405020304" pitchFamily="18" charset="0"/>
+            </a:endParaRPr>
+          </a:p>
+        </p:txBody>
+      </p:sp>
     </p:spTree>
     <p:extLst>
       <p:ext uri="{BB962C8B-B14F-4D97-AF65-F5344CB8AC3E}">
@@ -7974,6 +8046,43 @@
 <file path=ppt/slides/slide12.xml><?xml version="1.0" encoding="utf-8"?>
 <p:sld xmlns:a="http://schemas.openxmlformats.org/drawingml/2006/main" xmlns:r="http://schemas.openxmlformats.org/officeDocument/2006/relationships" xmlns:p="http://schemas.openxmlformats.org/presentationml/2006/main">
   <p:cSld>
+    <p:bg>
+      <p:bgPr>
+        <a:gradFill flip="none" rotWithShape="1">
+          <a:gsLst>
+            <a:gs pos="0">
+              <a:schemeClr val="accent1">
+                <a:lumMod val="5000"/>
+                <a:lumOff val="95000"/>
+              </a:schemeClr>
+            </a:gs>
+            <a:gs pos="39000">
+              <a:schemeClr val="accent1">
+                <a:lumMod val="45000"/>
+                <a:lumOff val="55000"/>
+              </a:schemeClr>
+            </a:gs>
+            <a:gs pos="100000">
+              <a:schemeClr val="accent5">
+                <a:lumMod val="20000"/>
+                <a:lumOff val="80000"/>
+              </a:schemeClr>
+            </a:gs>
+            <a:gs pos="72000">
+              <a:schemeClr val="accent1">
+                <a:lumMod val="30000"/>
+                <a:lumOff val="70000"/>
+              </a:schemeClr>
+            </a:gs>
+          </a:gsLst>
+          <a:path path="circle">
+            <a:fillToRect l="100000" t="100000"/>
+          </a:path>
+          <a:tileRect r="-100000" b="-100000"/>
+        </a:gradFill>
+        <a:effectLst/>
+      </p:bgPr>
+    </p:bg>
     <p:spTree>
       <p:nvGrpSpPr>
         <p:cNvPr id="1" name="Shape 70"/>
@@ -8029,7 +8138,7 @@
                 <a:cs typeface="Times New Roman"/>
                 <a:sym typeface="Times New Roman"/>
               </a:rPr>
-              <a:t>WORKING OF THE SYSTEM</a:t>
+              <a:t>ALGORITHM OF PROPOSED WORK (contd..)</a:t>
             </a:r>
             <a:endParaRPr b="1" dirty="0">
               <a:latin typeface="Times New Roman"/>
@@ -8040,36 +8149,124 @@
           </a:p>
         </p:txBody>
       </p:sp>
-      <p:pic>
-        <p:nvPicPr>
-          <p:cNvPr id="3" name="Picture 2">
+      <p:sp>
+        <p:nvSpPr>
+          <p:cNvPr id="4" name="Google Shape;72;p16">
             <a:extLst>
               <a:ext uri="{FF2B5EF4-FFF2-40B4-BE49-F238E27FC236}">
-                <a16:creationId xmlns:a16="http://schemas.microsoft.com/office/drawing/2014/main" id="{D29A65C0-3FA4-48BE-B3EA-4D4421247361}"/>
+                <a16:creationId xmlns:a16="http://schemas.microsoft.com/office/drawing/2014/main" id="{6FDDF2C7-630B-4E21-A25D-1858571A2848}"/>
               </a:ext>
             </a:extLst>
           </p:cNvPr>
-          <p:cNvPicPr>
-            <a:picLocks noChangeAspect="1"/>
-          </p:cNvPicPr>
-          <p:nvPr/>
-        </p:nvPicPr>
-        <p:blipFill>
-          <a:blip r:embed="rId3"/>
-          <a:stretch>
-            <a:fillRect/>
-          </a:stretch>
-        </p:blipFill>
+          <p:cNvSpPr txBox="1">
+            <a:spLocks noGrp="1"/>
+          </p:cNvSpPr>
+          <p:nvPr>
+            <p:ph type="body" idx="1"/>
+          </p:nvPr>
+        </p:nvSpPr>
         <p:spPr>
           <a:xfrm>
-            <a:off x="432428" y="1246743"/>
-            <a:ext cx="8279144" cy="3635147"/>
+            <a:off x="311700" y="834310"/>
+            <a:ext cx="8520600" cy="3416400"/>
           </a:xfrm>
           <a:prstGeom prst="rect">
             <a:avLst/>
           </a:prstGeom>
         </p:spPr>
-      </p:pic>
+        <p:txBody>
+          <a:bodyPr spcFirstLastPara="1" wrap="square" lIns="91425" tIns="91425" rIns="91425" bIns="91425" anchor="t" anchorCtr="0">
+            <a:noAutofit/>
+          </a:bodyPr>
+          <a:lstStyle/>
+          <a:p>
+            <a:pPr marL="285750" indent="-285750" algn="just">
+              <a:spcAft>
+                <a:spcPts val="1200"/>
+              </a:spcAft>
+            </a:pPr>
+            <a:r>
+              <a:rPr lang="en-IN" dirty="0">
+                <a:solidFill>
+                  <a:schemeClr val="tx1"/>
+                </a:solidFill>
+                <a:latin typeface="Times New Roman" panose="02020603050405020304" pitchFamily="18" charset="0"/>
+                <a:cs typeface="Times New Roman" panose="02020603050405020304" pitchFamily="18" charset="0"/>
+              </a:rPr>
+              <a:t>YOLO uses a single neural network to process the entire image. The image is divided into regions by this network, which predicts bounding boxes and probabilities for each region. The projected probabilities are used to weight these bounding boxes.</a:t>
+            </a:r>
+          </a:p>
+          <a:p>
+            <a:pPr marL="285750" indent="-285750" algn="just">
+              <a:spcAft>
+                <a:spcPts val="1200"/>
+              </a:spcAft>
+            </a:pPr>
+            <a:r>
+              <a:rPr lang="en-IN" dirty="0">
+                <a:solidFill>
+                  <a:schemeClr val="tx1"/>
+                </a:solidFill>
+                <a:latin typeface="Times New Roman" panose="02020603050405020304" pitchFamily="18" charset="0"/>
+                <a:cs typeface="Times New Roman" panose="02020603050405020304" pitchFamily="18" charset="0"/>
+              </a:rPr>
+              <a:t>The VI person is provided with android app on the mobile phone. The app in the mobile phone access the camera and get live video feedback. The system starts scanning for pothole from the video using YOLO algorithm. </a:t>
+            </a:r>
+          </a:p>
+          <a:p>
+            <a:pPr marL="285750" indent="-285750" algn="just">
+              <a:spcAft>
+                <a:spcPts val="1200"/>
+              </a:spcAft>
+            </a:pPr>
+            <a:r>
+              <a:rPr lang="en-IN" dirty="0">
+                <a:solidFill>
+                  <a:schemeClr val="tx1"/>
+                </a:solidFill>
+                <a:latin typeface="Times New Roman" panose="02020603050405020304" pitchFamily="18" charset="0"/>
+                <a:cs typeface="Times New Roman" panose="02020603050405020304" pitchFamily="18" charset="0"/>
+              </a:rPr>
+              <a:t>If it encounters any pothole, It gives audio output like “Whoa !!! be careful there is a pothole in front”. The System is connected with Google Text to speech Engine. YOLO algorithm find the pothole and sends it to a python script with damage score. </a:t>
+            </a:r>
+          </a:p>
+          <a:p>
+            <a:r>
+              <a:rPr lang="en-IN" dirty="0">
+                <a:solidFill>
+                  <a:schemeClr val="tx1"/>
+                </a:solidFill>
+                <a:latin typeface="Times New Roman" panose="02020603050405020304" pitchFamily="18" charset="0"/>
+                <a:cs typeface="Times New Roman" panose="02020603050405020304" pitchFamily="18" charset="0"/>
+              </a:rPr>
+              <a:t>Based on the severity of pothole, the python script generate a text message. That message is read loudly by GTTS System.</a:t>
+            </a:r>
+          </a:p>
+          <a:p>
+            <a:endParaRPr lang="en-IN" dirty="0">
+              <a:solidFill>
+                <a:schemeClr val="tx1"/>
+              </a:solidFill>
+              <a:latin typeface="Times New Roman" panose="02020603050405020304" pitchFamily="18" charset="0"/>
+              <a:cs typeface="Times New Roman" panose="02020603050405020304" pitchFamily="18" charset="0"/>
+            </a:endParaRPr>
+          </a:p>
+          <a:p>
+            <a:pPr marL="285750" indent="-285750" algn="just">
+              <a:spcAft>
+                <a:spcPts val="1200"/>
+              </a:spcAft>
+            </a:pPr>
+            <a:endParaRPr lang="en-IN" dirty="0">
+              <a:solidFill>
+                <a:schemeClr val="tx1"/>
+              </a:solidFill>
+              <a:latin typeface="Times New Roman" panose="02020603050405020304" pitchFamily="18" charset="0"/>
+              <a:cs typeface="Times New Roman" panose="02020603050405020304" pitchFamily="18" charset="0"/>
+            </a:endParaRPr>
+          </a:p>
+        </p:txBody>
+      </p:sp>
     </p:spTree>
     <p:extLst>
       <p:ext uri="{BB962C8B-B14F-4D97-AF65-F5344CB8AC3E}">
@@ -8086,231 +8283,43 @@
 <file path=ppt/slides/slide13.xml><?xml version="1.0" encoding="utf-8"?>
 <p:sld xmlns:a="http://schemas.openxmlformats.org/drawingml/2006/main" xmlns:r="http://schemas.openxmlformats.org/officeDocument/2006/relationships" xmlns:p="http://schemas.openxmlformats.org/presentationml/2006/main">
   <p:cSld>
-    <p:spTree>
-      <p:nvGrpSpPr>
-        <p:cNvPr id="1" name="Shape 70"/>
-        <p:cNvGrpSpPr/>
-        <p:nvPr/>
-      </p:nvGrpSpPr>
-      <p:grpSpPr>
-        <a:xfrm>
-          <a:off x="0" y="0"/>
-          <a:ext cx="0" cy="0"/>
-          <a:chOff x="0" y="0"/>
-          <a:chExt cx="0" cy="0"/>
-        </a:xfrm>
-      </p:grpSpPr>
-      <p:sp>
-        <p:nvSpPr>
-          <p:cNvPr id="72" name="Google Shape;72;p16"/>
-          <p:cNvSpPr txBox="1">
-            <a:spLocks noGrp="1"/>
-          </p:cNvSpPr>
-          <p:nvPr>
-            <p:ph type="body" idx="1"/>
-          </p:nvPr>
-        </p:nvSpPr>
-        <p:spPr>
-          <a:xfrm>
-            <a:off x="311700" y="678341"/>
-            <a:ext cx="8520600" cy="3416400"/>
-          </a:xfrm>
-          <a:prstGeom prst="rect">
-            <a:avLst/>
-          </a:prstGeom>
-        </p:spPr>
-        <p:txBody>
-          <a:bodyPr spcFirstLastPara="1" wrap="square" lIns="91425" tIns="91425" rIns="91425" bIns="91425" anchor="t" anchorCtr="0">
-            <a:noAutofit/>
-          </a:bodyPr>
-          <a:lstStyle/>
-          <a:p>
-            <a:pPr marL="285750" indent="-285750" algn="just">
-              <a:spcAft>
-                <a:spcPts val="1200"/>
-              </a:spcAft>
-            </a:pPr>
-            <a:r>
-              <a:rPr lang="en-IN" dirty="0">
-                <a:solidFill>
-                  <a:schemeClr val="tx1"/>
-                </a:solidFill>
-                <a:latin typeface="Times New Roman" panose="02020603050405020304" pitchFamily="18" charset="0"/>
-                <a:cs typeface="Times New Roman" panose="02020603050405020304" pitchFamily="18" charset="0"/>
-              </a:rPr>
-              <a:t>The VI person is provided with android app on the mobile phone. The app in the mobile phone access the camera and get live video feedback. The system starts scanning for pothole from the video using YOLO algorithm. </a:t>
-            </a:r>
-          </a:p>
-          <a:p>
-            <a:pPr marL="285750" indent="-285750" algn="just">
-              <a:spcAft>
-                <a:spcPts val="1200"/>
-              </a:spcAft>
-            </a:pPr>
-            <a:r>
-              <a:rPr lang="en-IN" dirty="0">
-                <a:solidFill>
-                  <a:schemeClr val="tx1"/>
-                </a:solidFill>
-                <a:latin typeface="Times New Roman" panose="02020603050405020304" pitchFamily="18" charset="0"/>
-                <a:cs typeface="Times New Roman" panose="02020603050405020304" pitchFamily="18" charset="0"/>
-              </a:rPr>
-              <a:t>If it encounters any pothole, It gives audio output like “Whoa !!! be careful there is a pothole in front”. The System is connected with Google Text to speech Engine. YOLO algorithm find the pothole and sends it to a python script with damage score. </a:t>
-            </a:r>
-          </a:p>
-          <a:p>
-            <a:pPr marL="285750" indent="-285750" algn="just">
-              <a:spcAft>
-                <a:spcPts val="1200"/>
-              </a:spcAft>
-            </a:pPr>
-            <a:r>
-              <a:rPr lang="en-IN" dirty="0">
-                <a:solidFill>
-                  <a:schemeClr val="tx1"/>
-                </a:solidFill>
-                <a:latin typeface="Times New Roman" panose="02020603050405020304" pitchFamily="18" charset="0"/>
-                <a:cs typeface="Times New Roman" panose="02020603050405020304" pitchFamily="18" charset="0"/>
-              </a:rPr>
-              <a:t>Based on the severity of pothole, the python script generate a text message. That message is read loudly by GTTS System.</a:t>
-            </a:r>
-          </a:p>
-          <a:p>
-            <a:pPr marL="0" indent="0" algn="just">
-              <a:spcAft>
-                <a:spcPts val="1200"/>
-              </a:spcAft>
-              <a:buNone/>
-            </a:pPr>
-            <a:endParaRPr lang="en-IN" dirty="0">
-              <a:solidFill>
-                <a:schemeClr val="tx1"/>
-              </a:solidFill>
-              <a:latin typeface="Times New Roman" panose="02020603050405020304" pitchFamily="18" charset="0"/>
-              <a:cs typeface="Times New Roman" panose="02020603050405020304" pitchFamily="18" charset="0"/>
-            </a:endParaRPr>
-          </a:p>
-        </p:txBody>
-      </p:sp>
-    </p:spTree>
-    <p:extLst>
-      <p:ext uri="{BB962C8B-B14F-4D97-AF65-F5344CB8AC3E}">
-        <p14:creationId xmlns:p14="http://schemas.microsoft.com/office/powerpoint/2010/main" val="717570050"/>
-      </p:ext>
-    </p:extLst>
-  </p:cSld>
-  <p:clrMapOvr>
-    <a:masterClrMapping/>
-  </p:clrMapOvr>
-</p:sld>
-</file>
-
-<file path=ppt/slides/slide14.xml><?xml version="1.0" encoding="utf-8"?>
-<p:sld xmlns:a="http://schemas.openxmlformats.org/drawingml/2006/main" xmlns:r="http://schemas.openxmlformats.org/officeDocument/2006/relationships" xmlns:p="http://schemas.openxmlformats.org/presentationml/2006/main">
-  <p:cSld>
-    <p:spTree>
-      <p:nvGrpSpPr>
-        <p:cNvPr id="1" name=""/>
-        <p:cNvGrpSpPr/>
-        <p:nvPr/>
-      </p:nvGrpSpPr>
-      <p:grpSpPr>
-        <a:xfrm>
-          <a:off x="0" y="0"/>
-          <a:ext cx="0" cy="0"/>
-          <a:chOff x="0" y="0"/>
-          <a:chExt cx="0" cy="0"/>
-        </a:xfrm>
-      </p:grpSpPr>
-      <p:sp>
-        <p:nvSpPr>
-          <p:cNvPr id="2" name="Title 1">
-            <a:extLst>
-              <a:ext uri="{FF2B5EF4-FFF2-40B4-BE49-F238E27FC236}">
-                <a16:creationId xmlns:a16="http://schemas.microsoft.com/office/drawing/2014/main" id="{34FB5A2F-850C-4F14-B510-4DD8CE2A4920}"/>
-              </a:ext>
-            </a:extLst>
-          </p:cNvPr>
-          <p:cNvSpPr>
-            <a:spLocks noGrp="1"/>
-          </p:cNvSpPr>
-          <p:nvPr>
-            <p:ph type="title"/>
-          </p:nvPr>
-        </p:nvSpPr>
-        <p:spPr>
-          <a:xfrm>
-            <a:off x="1259966" y="2285400"/>
-            <a:ext cx="8520600" cy="572700"/>
-          </a:xfrm>
-        </p:spPr>
-        <p:txBody>
-          <a:bodyPr>
-            <a:normAutofit fontScale="90000"/>
-          </a:bodyPr>
-          <a:lstStyle/>
-          <a:p>
-            <a:r>
-              <a:rPr lang="en-IN" b="1" dirty="0">
-                <a:solidFill>
-                  <a:schemeClr val="tx1"/>
-                </a:solidFill>
-                <a:latin typeface="Times New Roman" panose="02020603050405020304" pitchFamily="18" charset="0"/>
-                <a:cs typeface="Times New Roman" panose="02020603050405020304" pitchFamily="18" charset="0"/>
-              </a:rPr>
-              <a:t>SYSTEM FLOW</a:t>
-            </a:r>
-          </a:p>
-        </p:txBody>
-      </p:sp>
-      <p:pic>
-        <p:nvPicPr>
-          <p:cNvPr id="4" name="Content Placeholder 3">
-            <a:extLst>
-              <a:ext uri="{FF2B5EF4-FFF2-40B4-BE49-F238E27FC236}">
-                <a16:creationId xmlns:a16="http://schemas.microsoft.com/office/drawing/2014/main" id="{364649C0-1617-4483-A05B-B2295AAE0634}"/>
-              </a:ext>
-            </a:extLst>
-          </p:cNvPr>
-          <p:cNvPicPr>
-            <a:picLocks noGrp="1" noChangeAspect="1"/>
-          </p:cNvPicPr>
-          <p:nvPr>
-            <p:ph idx="1"/>
-          </p:nvPr>
-        </p:nvPicPr>
-        <p:blipFill>
-          <a:blip r:embed="rId2"/>
-          <a:stretch>
-            <a:fillRect/>
-          </a:stretch>
-        </p:blipFill>
-        <p:spPr>
-          <a:xfrm>
-            <a:off x="5242954" y="410678"/>
-            <a:ext cx="2388335" cy="4322144"/>
-          </a:xfrm>
-          <a:prstGeom prst="rect">
-            <a:avLst/>
-          </a:prstGeom>
-        </p:spPr>
-      </p:pic>
-    </p:spTree>
-    <p:extLst>
-      <p:ext uri="{BB962C8B-B14F-4D97-AF65-F5344CB8AC3E}">
-        <p14:creationId xmlns:p14="http://schemas.microsoft.com/office/powerpoint/2010/main" val="341600314"/>
-      </p:ext>
-    </p:extLst>
-  </p:cSld>
-  <p:clrMapOvr>
-    <a:masterClrMapping/>
-  </p:clrMapOvr>
-</p:sld>
-</file>
-
-<file path=ppt/slides/slide15.xml><?xml version="1.0" encoding="utf-8"?>
-<p:sld xmlns:a="http://schemas.openxmlformats.org/drawingml/2006/main" xmlns:r="http://schemas.openxmlformats.org/officeDocument/2006/relationships" xmlns:p="http://schemas.openxmlformats.org/presentationml/2006/main">
-  <p:cSld>
+    <p:bg>
+      <p:bgPr>
+        <a:gradFill flip="none" rotWithShape="1">
+          <a:gsLst>
+            <a:gs pos="0">
+              <a:schemeClr val="accent1">
+                <a:lumMod val="5000"/>
+                <a:lumOff val="95000"/>
+              </a:schemeClr>
+            </a:gs>
+            <a:gs pos="39000">
+              <a:schemeClr val="accent1">
+                <a:lumMod val="45000"/>
+                <a:lumOff val="55000"/>
+              </a:schemeClr>
+            </a:gs>
+            <a:gs pos="100000">
+              <a:schemeClr val="accent5">
+                <a:lumMod val="20000"/>
+                <a:lumOff val="80000"/>
+              </a:schemeClr>
+            </a:gs>
+            <a:gs pos="72000">
+              <a:schemeClr val="accent1">
+                <a:lumMod val="30000"/>
+                <a:lumOff val="70000"/>
+              </a:schemeClr>
+            </a:gs>
+          </a:gsLst>
+          <a:path path="circle">
+            <a:fillToRect l="100000" b="100000"/>
+          </a:path>
+          <a:tileRect t="-100000" r="-100000"/>
+        </a:gradFill>
+        <a:effectLst/>
+      </p:bgPr>
+    </p:bg>
     <p:spTree>
       <p:nvGrpSpPr>
         <p:cNvPr id="1" name=""/>
@@ -8646,9 +8655,46 @@
 </p:sld>
 </file>
 
-<file path=ppt/slides/slide16.xml><?xml version="1.0" encoding="utf-8"?>
+<file path=ppt/slides/slide14.xml><?xml version="1.0" encoding="utf-8"?>
 <p:sld xmlns:a="http://schemas.openxmlformats.org/drawingml/2006/main" xmlns:r="http://schemas.openxmlformats.org/officeDocument/2006/relationships" xmlns:p="http://schemas.openxmlformats.org/presentationml/2006/main">
   <p:cSld>
+    <p:bg>
+      <p:bgPr>
+        <a:gradFill flip="none" rotWithShape="1">
+          <a:gsLst>
+            <a:gs pos="0">
+              <a:schemeClr val="accent1">
+                <a:lumMod val="5000"/>
+                <a:lumOff val="95000"/>
+              </a:schemeClr>
+            </a:gs>
+            <a:gs pos="39000">
+              <a:schemeClr val="accent1">
+                <a:lumMod val="45000"/>
+                <a:lumOff val="55000"/>
+              </a:schemeClr>
+            </a:gs>
+            <a:gs pos="100000">
+              <a:schemeClr val="accent5">
+                <a:lumMod val="20000"/>
+                <a:lumOff val="80000"/>
+              </a:schemeClr>
+            </a:gs>
+            <a:gs pos="72000">
+              <a:schemeClr val="accent1">
+                <a:lumMod val="30000"/>
+                <a:lumOff val="70000"/>
+              </a:schemeClr>
+            </a:gs>
+          </a:gsLst>
+          <a:path path="rect">
+            <a:fillToRect r="100000" b="100000"/>
+          </a:path>
+          <a:tileRect l="-100000" t="-100000"/>
+        </a:gradFill>
+        <a:effectLst/>
+      </p:bgPr>
+    </p:bg>
     <p:spTree>
       <p:nvGrpSpPr>
         <p:cNvPr id="1" name=""/>
@@ -9061,9 +9107,113 @@
 </p:sld>
 </file>
 
+<file path=ppt/slides/slide15.xml><?xml version="1.0" encoding="utf-8"?>
+<p:sld xmlns:a="http://schemas.openxmlformats.org/drawingml/2006/main" xmlns:r="http://schemas.openxmlformats.org/officeDocument/2006/relationships" xmlns:p="http://schemas.openxmlformats.org/presentationml/2006/main">
+  <p:cSld>
+    <p:spTree>
+      <p:nvGrpSpPr>
+        <p:cNvPr id="1" name=""/>
+        <p:cNvGrpSpPr/>
+        <p:nvPr/>
+      </p:nvGrpSpPr>
+      <p:grpSpPr>
+        <a:xfrm>
+          <a:off x="0" y="0"/>
+          <a:ext cx="0" cy="0"/>
+          <a:chOff x="0" y="0"/>
+          <a:chExt cx="0" cy="0"/>
+        </a:xfrm>
+      </p:grpSpPr>
+      <p:sp>
+        <p:nvSpPr>
+          <p:cNvPr id="2" name="Title 1">
+            <a:extLst>
+              <a:ext uri="{FF2B5EF4-FFF2-40B4-BE49-F238E27FC236}">
+                <a16:creationId xmlns:a16="http://schemas.microsoft.com/office/drawing/2014/main" id="{645EFFDC-9C62-4F52-9A00-CCD3A8E5AC7F}"/>
+              </a:ext>
+            </a:extLst>
+          </p:cNvPr>
+          <p:cNvSpPr>
+            <a:spLocks noGrp="1"/>
+          </p:cNvSpPr>
+          <p:nvPr>
+            <p:ph type="title"/>
+          </p:nvPr>
+        </p:nvSpPr>
+        <p:spPr>
+          <a:xfrm>
+            <a:off x="311700" y="1999050"/>
+            <a:ext cx="8520600" cy="572700"/>
+          </a:xfrm>
+        </p:spPr>
+        <p:txBody>
+          <a:bodyPr>
+            <a:noAutofit/>
+          </a:bodyPr>
+          <a:lstStyle/>
+          <a:p>
+            <a:pPr algn="ctr"/>
+            <a:r>
+              <a:rPr lang="en-IN" sz="4800" b="1" dirty="0">
+                <a:latin typeface="Times New Roman" panose="02020603050405020304" pitchFamily="18" charset="0"/>
+                <a:cs typeface="Times New Roman" panose="02020603050405020304" pitchFamily="18" charset="0"/>
+              </a:rPr>
+              <a:t>THANK YOU</a:t>
+            </a:r>
+          </a:p>
+        </p:txBody>
+      </p:sp>
+    </p:spTree>
+    <p:extLst>
+      <p:ext uri="{BB962C8B-B14F-4D97-AF65-F5344CB8AC3E}">
+        <p14:creationId xmlns:p14="http://schemas.microsoft.com/office/powerpoint/2010/main" val="2001159680"/>
+      </p:ext>
+    </p:extLst>
+  </p:cSld>
+  <p:clrMapOvr>
+    <a:masterClrMapping/>
+  </p:clrMapOvr>
+</p:sld>
+</file>
+
 <file path=ppt/slides/slide2.xml><?xml version="1.0" encoding="utf-8"?>
 <p:sld xmlns:a="http://schemas.openxmlformats.org/drawingml/2006/main" xmlns:r="http://schemas.openxmlformats.org/officeDocument/2006/relationships" xmlns:p="http://schemas.openxmlformats.org/presentationml/2006/main">
   <p:cSld>
+    <p:bg>
+      <p:bgPr>
+        <a:gradFill flip="none" rotWithShape="1">
+          <a:gsLst>
+            <a:gs pos="0">
+              <a:schemeClr val="accent1">
+                <a:lumMod val="5000"/>
+                <a:lumOff val="95000"/>
+              </a:schemeClr>
+            </a:gs>
+            <a:gs pos="39000">
+              <a:schemeClr val="accent1">
+                <a:lumMod val="45000"/>
+                <a:lumOff val="55000"/>
+              </a:schemeClr>
+            </a:gs>
+            <a:gs pos="100000">
+              <a:schemeClr val="accent5">
+                <a:lumMod val="20000"/>
+                <a:lumOff val="80000"/>
+              </a:schemeClr>
+            </a:gs>
+            <a:gs pos="72000">
+              <a:schemeClr val="accent1">
+                <a:lumMod val="30000"/>
+                <a:lumOff val="70000"/>
+              </a:schemeClr>
+            </a:gs>
+          </a:gsLst>
+          <a:lin ang="8100000" scaled="1"/>
+          <a:tileRect/>
+        </a:gradFill>
+        <a:effectLst/>
+      </p:bgPr>
+    </p:bg>
     <p:spTree>
       <p:nvGrpSpPr>
         <p:cNvPr id="1" name="Shape 70"/>
@@ -9243,6 +9393,41 @@
 <file path=ppt/slides/slide3.xml><?xml version="1.0" encoding="utf-8"?>
 <p:sld xmlns:a="http://schemas.openxmlformats.org/drawingml/2006/main" xmlns:r="http://schemas.openxmlformats.org/officeDocument/2006/relationships" xmlns:p="http://schemas.openxmlformats.org/presentationml/2006/main">
   <p:cSld>
+    <p:bg>
+      <p:bgPr>
+        <a:gradFill flip="none" rotWithShape="1">
+          <a:gsLst>
+            <a:gs pos="0">
+              <a:schemeClr val="accent1">
+                <a:lumMod val="5000"/>
+                <a:lumOff val="95000"/>
+              </a:schemeClr>
+            </a:gs>
+            <a:gs pos="39000">
+              <a:schemeClr val="accent1">
+                <a:lumMod val="45000"/>
+                <a:lumOff val="55000"/>
+              </a:schemeClr>
+            </a:gs>
+            <a:gs pos="100000">
+              <a:schemeClr val="accent5">
+                <a:lumMod val="20000"/>
+                <a:lumOff val="80000"/>
+              </a:schemeClr>
+            </a:gs>
+            <a:gs pos="72000">
+              <a:schemeClr val="accent1">
+                <a:lumMod val="30000"/>
+                <a:lumOff val="70000"/>
+              </a:schemeClr>
+            </a:gs>
+          </a:gsLst>
+          <a:lin ang="0" scaled="1"/>
+          <a:tileRect/>
+        </a:gradFill>
+        <a:effectLst/>
+      </p:bgPr>
+    </p:bg>
     <p:spTree>
       <p:nvGrpSpPr>
         <p:cNvPr id="1" name="Shape 70"/>
@@ -9404,6 +9589,41 @@
 <file path=ppt/slides/slide4.xml><?xml version="1.0" encoding="utf-8"?>
 <p:sld xmlns:a="http://schemas.openxmlformats.org/drawingml/2006/main" xmlns:r="http://schemas.openxmlformats.org/officeDocument/2006/relationships" xmlns:p="http://schemas.openxmlformats.org/presentationml/2006/main">
   <p:cSld>
+    <p:bg>
+      <p:bgPr>
+        <a:gradFill flip="none" rotWithShape="1">
+          <a:gsLst>
+            <a:gs pos="0">
+              <a:schemeClr val="accent1">
+                <a:lumMod val="5000"/>
+                <a:lumOff val="95000"/>
+              </a:schemeClr>
+            </a:gs>
+            <a:gs pos="39000">
+              <a:schemeClr val="accent1">
+                <a:lumMod val="45000"/>
+                <a:lumOff val="55000"/>
+              </a:schemeClr>
+            </a:gs>
+            <a:gs pos="100000">
+              <a:schemeClr val="accent5">
+                <a:lumMod val="20000"/>
+                <a:lumOff val="80000"/>
+              </a:schemeClr>
+            </a:gs>
+            <a:gs pos="72000">
+              <a:schemeClr val="accent1">
+                <a:lumMod val="30000"/>
+                <a:lumOff val="70000"/>
+              </a:schemeClr>
+            </a:gs>
+          </a:gsLst>
+          <a:lin ang="10800000" scaled="1"/>
+          <a:tileRect/>
+        </a:gradFill>
+        <a:effectLst/>
+      </p:bgPr>
+    </p:bg>
     <p:spTree>
       <p:nvGrpSpPr>
         <p:cNvPr id="1" name="Shape 70"/>
@@ -9570,6 +9790,41 @@
 <file path=ppt/slides/slide5.xml><?xml version="1.0" encoding="utf-8"?>
 <p:sld xmlns:a="http://schemas.openxmlformats.org/drawingml/2006/main" xmlns:r="http://schemas.openxmlformats.org/officeDocument/2006/relationships" xmlns:p="http://schemas.openxmlformats.org/presentationml/2006/main">
   <p:cSld>
+    <p:bg>
+      <p:bgPr>
+        <a:gradFill flip="none" rotWithShape="1">
+          <a:gsLst>
+            <a:gs pos="0">
+              <a:schemeClr val="accent1">
+                <a:lumMod val="5000"/>
+                <a:lumOff val="95000"/>
+              </a:schemeClr>
+            </a:gs>
+            <a:gs pos="39000">
+              <a:schemeClr val="accent1">
+                <a:lumMod val="45000"/>
+                <a:lumOff val="55000"/>
+              </a:schemeClr>
+            </a:gs>
+            <a:gs pos="100000">
+              <a:schemeClr val="accent5">
+                <a:lumMod val="20000"/>
+                <a:lumOff val="80000"/>
+              </a:schemeClr>
+            </a:gs>
+            <a:gs pos="72000">
+              <a:schemeClr val="accent1">
+                <a:lumMod val="30000"/>
+                <a:lumOff val="70000"/>
+              </a:schemeClr>
+            </a:gs>
+          </a:gsLst>
+          <a:lin ang="13500000" scaled="1"/>
+          <a:tileRect/>
+        </a:gradFill>
+        <a:effectLst/>
+      </p:bgPr>
+    </p:bg>
     <p:spTree>
       <p:nvGrpSpPr>
         <p:cNvPr id="1" name="Shape 70"/>
@@ -9625,7 +9880,7 @@
                 <a:cs typeface="Times New Roman"/>
                 <a:sym typeface="Times New Roman"/>
               </a:rPr>
-              <a:t>LITRATURE SURVEY</a:t>
+              <a:t>LITERATURE SURVEY</a:t>
             </a:r>
             <a:endParaRPr b="1" dirty="0">
               <a:latin typeface="Times New Roman"/>
@@ -9651,7 +9906,7 @@
           <p:nvPr>
             <p:extLst>
               <p:ext uri="{D42A27DB-BD31-4B8C-83A1-F6EECF244321}">
-                <p14:modId xmlns:p14="http://schemas.microsoft.com/office/powerpoint/2010/main" val="310819172"/>
+                <p14:modId xmlns:p14="http://schemas.microsoft.com/office/powerpoint/2010/main" val="1414831232"/>
               </p:ext>
             </p:extLst>
           </p:nvPr>
@@ -9928,10 +10183,23 @@
                     <a:lstStyle/>
                     <a:p>
                       <a:pPr algn="ctr"/>
-                      <a:endParaRPr lang="en-IN" sz="1400" dirty="0">
-                        <a:latin typeface="Times New Roman" panose="02020603050405020304" pitchFamily="18" charset="0"/>
-                        <a:cs typeface="Times New Roman" panose="02020603050405020304" pitchFamily="18" charset="0"/>
-                      </a:endParaRPr>
+                      <a:r>
+                        <a:rPr lang="en-IN" sz="1400" dirty="0">
+                          <a:latin typeface="Times New Roman" panose="02020603050405020304" pitchFamily="18" charset="0"/>
+                          <a:cs typeface="Times New Roman" panose="02020603050405020304" pitchFamily="18" charset="0"/>
+                        </a:rPr>
+                        <a:t>PASCAL VOC, </a:t>
+                      </a:r>
+                    </a:p>
+                    <a:p>
+                      <a:pPr algn="ctr"/>
+                      <a:r>
+                        <a:rPr lang="en-IN" sz="1400" dirty="0">
+                          <a:latin typeface="Times New Roman" panose="02020603050405020304" pitchFamily="18" charset="0"/>
+                          <a:cs typeface="Times New Roman" panose="02020603050405020304" pitchFamily="18" charset="0"/>
+                        </a:rPr>
+                        <a:t>ImageNet 1000-class</a:t>
+                      </a:r>
                     </a:p>
                   </a:txBody>
                   <a:tcPr anchor="ctr"/>
@@ -9964,7 +10232,7 @@
                           <a:latin typeface="Times New Roman" panose="02020603050405020304" pitchFamily="18" charset="0"/>
                           <a:cs typeface="Times New Roman" panose="02020603050405020304" pitchFamily="18" charset="0"/>
                         </a:rPr>
-                        <a:t>It doesn’t tells about object detection for VI people.</a:t>
+                        <a:t>Not specific for VI people.</a:t>
                       </a:r>
                     </a:p>
                   </a:txBody>
@@ -10100,7 +10368,7 @@
                           <a:latin typeface="Times New Roman" panose="02020603050405020304" pitchFamily="18" charset="0"/>
                           <a:cs typeface="Times New Roman" panose="02020603050405020304" pitchFamily="18" charset="0"/>
                         </a:rPr>
-                        <a:t>It doesn’t uses YOLO algorithm.</a:t>
+                        <a:t>It uses CNN algorithm.</a:t>
                       </a:r>
                     </a:p>
                   </a:txBody>
@@ -10200,10 +10468,13 @@
                     <a:lstStyle/>
                     <a:p>
                       <a:pPr algn="ctr"/>
-                      <a:endParaRPr lang="en-IN" sz="1400" dirty="0">
-                        <a:latin typeface="Times New Roman" panose="02020603050405020304" pitchFamily="18" charset="0"/>
-                        <a:cs typeface="Times New Roman" panose="02020603050405020304" pitchFamily="18" charset="0"/>
-                      </a:endParaRPr>
+                      <a:r>
+                        <a:rPr lang="en-IN" sz="1400" dirty="0">
+                          <a:latin typeface="Times New Roman" panose="02020603050405020304" pitchFamily="18" charset="0"/>
+                          <a:cs typeface="Times New Roman" panose="02020603050405020304" pitchFamily="18" charset="0"/>
+                        </a:rPr>
+                        <a:t>MS-COCO</a:t>
+                      </a:r>
                     </a:p>
                   </a:txBody>
                   <a:tcPr anchor="ctr"/>
@@ -10268,6 +10539,26 @@
 <file path=ppt/slides/slide6.xml><?xml version="1.0" encoding="utf-8"?>
 <p:sld xmlns:a="http://schemas.openxmlformats.org/drawingml/2006/main" xmlns:r="http://schemas.openxmlformats.org/officeDocument/2006/relationships" xmlns:p="http://schemas.openxmlformats.org/presentationml/2006/main">
   <p:cSld>
+    <p:bg>
+      <p:bgPr>
+        <a:gradFill flip="none" rotWithShape="1">
+          <a:gsLst>
+            <a:gs pos="32000">
+              <a:schemeClr val="bg1"/>
+            </a:gs>
+            <a:gs pos="0">
+              <a:schemeClr val="accent1">
+                <a:lumMod val="60000"/>
+                <a:lumOff val="40000"/>
+              </a:schemeClr>
+            </a:gs>
+          </a:gsLst>
+          <a:lin ang="5400000" scaled="1"/>
+          <a:tileRect/>
+        </a:gradFill>
+        <a:effectLst/>
+      </p:bgPr>
+    </p:bg>
     <p:spTree>
       <p:nvGrpSpPr>
         <p:cNvPr id="1" name="Shape 70"/>
@@ -10467,6 +10758,41 @@
 <file path=ppt/slides/slide7.xml><?xml version="1.0" encoding="utf-8"?>
 <p:sld xmlns:a="http://schemas.openxmlformats.org/drawingml/2006/main" xmlns:r="http://schemas.openxmlformats.org/officeDocument/2006/relationships" xmlns:p="http://schemas.openxmlformats.org/presentationml/2006/main">
   <p:cSld>
+    <p:bg>
+      <p:bgPr>
+        <a:gradFill flip="none" rotWithShape="1">
+          <a:gsLst>
+            <a:gs pos="0">
+              <a:schemeClr val="accent1">
+                <a:lumMod val="5000"/>
+                <a:lumOff val="95000"/>
+              </a:schemeClr>
+            </a:gs>
+            <a:gs pos="39000">
+              <a:schemeClr val="accent1">
+                <a:lumMod val="45000"/>
+                <a:lumOff val="55000"/>
+              </a:schemeClr>
+            </a:gs>
+            <a:gs pos="100000">
+              <a:schemeClr val="accent5">
+                <a:lumMod val="20000"/>
+                <a:lumOff val="80000"/>
+              </a:schemeClr>
+            </a:gs>
+            <a:gs pos="72000">
+              <a:schemeClr val="accent1">
+                <a:lumMod val="30000"/>
+                <a:lumOff val="70000"/>
+              </a:schemeClr>
+            </a:gs>
+          </a:gsLst>
+          <a:lin ang="13500000" scaled="1"/>
+          <a:tileRect/>
+        </a:gradFill>
+        <a:effectLst/>
+      </p:bgPr>
+    </p:bg>
     <p:spTree>
       <p:nvGrpSpPr>
         <p:cNvPr id="1" name="Shape 70"/>
@@ -10670,6 +10996,41 @@
 <file path=ppt/slides/slide8.xml><?xml version="1.0" encoding="utf-8"?>
 <p:sld xmlns:a="http://schemas.openxmlformats.org/drawingml/2006/main" xmlns:r="http://schemas.openxmlformats.org/officeDocument/2006/relationships" xmlns:p="http://schemas.openxmlformats.org/presentationml/2006/main">
   <p:cSld>
+    <p:bg>
+      <p:bgPr>
+        <a:gradFill flip="none" rotWithShape="1">
+          <a:gsLst>
+            <a:gs pos="0">
+              <a:schemeClr val="accent1">
+                <a:lumMod val="5000"/>
+                <a:lumOff val="95000"/>
+              </a:schemeClr>
+            </a:gs>
+            <a:gs pos="39000">
+              <a:schemeClr val="accent1">
+                <a:lumMod val="45000"/>
+                <a:lumOff val="55000"/>
+              </a:schemeClr>
+            </a:gs>
+            <a:gs pos="100000">
+              <a:schemeClr val="accent5">
+                <a:lumMod val="20000"/>
+                <a:lumOff val="80000"/>
+              </a:schemeClr>
+            </a:gs>
+            <a:gs pos="72000">
+              <a:schemeClr val="accent1">
+                <a:lumMod val="30000"/>
+                <a:lumOff val="70000"/>
+              </a:schemeClr>
+            </a:gs>
+          </a:gsLst>
+          <a:lin ang="0" scaled="1"/>
+          <a:tileRect/>
+        </a:gradFill>
+        <a:effectLst/>
+      </p:bgPr>
+    </p:bg>
     <p:spTree>
       <p:nvGrpSpPr>
         <p:cNvPr id="1" name="Shape 70"/>
@@ -10696,7 +11057,7 @@
         </p:nvSpPr>
         <p:spPr>
           <a:xfrm>
-            <a:off x="311700" y="377758"/>
+            <a:off x="311700" y="1036976"/>
             <a:ext cx="8520600" cy="3416400"/>
           </a:xfrm>
           <a:prstGeom prst="rect">
@@ -10764,6 +11125,58 @@
           </a:p>
         </p:txBody>
       </p:sp>
+      <p:sp>
+        <p:nvSpPr>
+          <p:cNvPr id="3" name="Google Shape;71;p16">
+            <a:extLst>
+              <a:ext uri="{FF2B5EF4-FFF2-40B4-BE49-F238E27FC236}">
+                <a16:creationId xmlns:a16="http://schemas.microsoft.com/office/drawing/2014/main" id="{B30DE30C-B0A2-4BC1-82F7-C398DFFF9A87}"/>
+              </a:ext>
+            </a:extLst>
+          </p:cNvPr>
+          <p:cNvSpPr txBox="1">
+            <a:spLocks noGrp="1"/>
+          </p:cNvSpPr>
+          <p:nvPr>
+            <p:ph type="title"/>
+          </p:nvPr>
+        </p:nvSpPr>
+        <p:spPr>
+          <a:xfrm>
+            <a:off x="311700" y="266760"/>
+            <a:ext cx="8683444" cy="572700"/>
+          </a:xfrm>
+          <a:prstGeom prst="rect">
+            <a:avLst/>
+          </a:prstGeom>
+        </p:spPr>
+        <p:txBody>
+          <a:bodyPr spcFirstLastPara="1" wrap="square" lIns="91425" tIns="91425" rIns="91425" bIns="91425" anchor="t" anchorCtr="0">
+            <a:normAutofit fontScale="90000"/>
+          </a:bodyPr>
+          <a:lstStyle/>
+          <a:p>
+            <a:pPr marL="0" lvl="0" indent="0" algn="l" rtl="0">
+              <a:spcBef>
+                <a:spcPts val="0"/>
+              </a:spcBef>
+              <a:spcAft>
+                <a:spcPts val="0"/>
+              </a:spcAft>
+              <a:buNone/>
+            </a:pPr>
+            <a:r>
+              <a:rPr lang="en-GB" b="1" dirty="0">
+                <a:latin typeface="Times New Roman"/>
+                <a:ea typeface="Times New Roman"/>
+                <a:cs typeface="Times New Roman"/>
+                <a:sym typeface="Times New Roman"/>
+              </a:rPr>
+              <a:t>TECHNIQUES USED IN THE EXISTING SYSTEM (contd..)</a:t>
+            </a:r>
+          </a:p>
+        </p:txBody>
+      </p:sp>
     </p:spTree>
     <p:extLst>
       <p:ext uri="{BB962C8B-B14F-4D97-AF65-F5344CB8AC3E}">
@@ -10780,6 +11193,41 @@
 <file path=ppt/slides/slide9.xml><?xml version="1.0" encoding="utf-8"?>
 <p:sld xmlns:a="http://schemas.openxmlformats.org/drawingml/2006/main" xmlns:r="http://schemas.openxmlformats.org/officeDocument/2006/relationships" xmlns:p="http://schemas.openxmlformats.org/presentationml/2006/main">
   <p:cSld>
+    <p:bg>
+      <p:bgPr>
+        <a:gradFill flip="none" rotWithShape="1">
+          <a:gsLst>
+            <a:gs pos="0">
+              <a:schemeClr val="accent1">
+                <a:lumMod val="5000"/>
+                <a:lumOff val="95000"/>
+              </a:schemeClr>
+            </a:gs>
+            <a:gs pos="39000">
+              <a:schemeClr val="accent1">
+                <a:lumMod val="45000"/>
+                <a:lumOff val="55000"/>
+              </a:schemeClr>
+            </a:gs>
+            <a:gs pos="100000">
+              <a:schemeClr val="accent5">
+                <a:lumMod val="20000"/>
+                <a:lumOff val="80000"/>
+              </a:schemeClr>
+            </a:gs>
+            <a:gs pos="72000">
+              <a:schemeClr val="accent1">
+                <a:lumMod val="30000"/>
+                <a:lumOff val="70000"/>
+              </a:schemeClr>
+            </a:gs>
+          </a:gsLst>
+          <a:lin ang="2700000" scaled="1"/>
+          <a:tileRect/>
+        </a:gradFill>
+        <a:effectLst/>
+      </p:bgPr>
+    </p:bg>
     <p:spTree>
       <p:nvGrpSpPr>
         <p:cNvPr id="1" name="Shape 70"/>
